--- a/UX - Final.pptx
+++ b/UX - Final.pptx
@@ -1,9 +1,15 @@
 
 <file path=ppt/presentation.xml><?xml version="1.0" encoding="utf-8"?>
-<p:presentation xmlns:a="http://schemas.openxmlformats.org/drawingml/2006/main" xmlns:r="http://schemas.openxmlformats.org/officeDocument/2006/relationships" xmlns:p="http://schemas.openxmlformats.org/presentationml/2006/main" saveSubsetFonts="1">
+<p:presentation xmlns:a="http://schemas.openxmlformats.org/drawingml/2006/main" xmlns:r="http://schemas.openxmlformats.org/officeDocument/2006/relationships" xmlns:p="http://schemas.openxmlformats.org/presentationml/2006/main" showSpecialPlsOnTitleSld="0" saveSubsetFonts="1">
   <p:sldMasterIdLst>
     <p:sldMasterId id="2147483660" r:id="rId1"/>
   </p:sldMasterIdLst>
+  <p:notesMasterIdLst>
+    <p:notesMasterId r:id="rId31"/>
+  </p:notesMasterIdLst>
+  <p:handoutMasterIdLst>
+    <p:handoutMasterId r:id="rId32"/>
+  </p:handoutMasterIdLst>
   <p:sldIdLst>
     <p:sldId id="256" r:id="rId2"/>
     <p:sldId id="279" r:id="rId3"/>
@@ -33,9 +39,10 @@
     <p:sldId id="286" r:id="rId27"/>
     <p:sldId id="283" r:id="rId28"/>
     <p:sldId id="284" r:id="rId29"/>
+    <p:sldId id="287" r:id="rId30"/>
   </p:sldIdLst>
   <p:sldSz cx="12192000" cy="6858000"/>
-  <p:notesSz cx="6858000" cy="9144000"/>
+  <p:notesSz cx="6881813" cy="9296400"/>
   <p:defaultTextStyle>
     <a:defPPr>
       <a:defRPr lang="en-US"/>
@@ -148,6 +155,689 @@
     </p:ext>
   </p:extLst>
 </p:presentation>
+</file>
+
+<file path=ppt/handoutMasters/handoutMaster1.xml><?xml version="1.0" encoding="utf-8"?>
+<p:handoutMaster xmlns:a="http://schemas.openxmlformats.org/drawingml/2006/main" xmlns:r="http://schemas.openxmlformats.org/officeDocument/2006/relationships" xmlns:p="http://schemas.openxmlformats.org/presentationml/2006/main">
+  <p:cSld>
+    <p:bg>
+      <p:bgRef idx="1001">
+        <a:schemeClr val="bg1"/>
+      </p:bgRef>
+    </p:bg>
+    <p:spTree>
+      <p:nvGrpSpPr>
+        <p:cNvPr id="1" name=""/>
+        <p:cNvGrpSpPr/>
+        <p:nvPr/>
+      </p:nvGrpSpPr>
+      <p:grpSpPr>
+        <a:xfrm>
+          <a:off x="0" y="0"/>
+          <a:ext cx="0" cy="0"/>
+          <a:chOff x="0" y="0"/>
+          <a:chExt cx="0" cy="0"/>
+        </a:xfrm>
+      </p:grpSpPr>
+      <p:sp>
+        <p:nvSpPr>
+          <p:cNvPr id="2" name="Header Placeholder 1"/>
+          <p:cNvSpPr>
+            <a:spLocks noGrp="1"/>
+          </p:cNvSpPr>
+          <p:nvPr>
+            <p:ph type="hdr" sz="quarter"/>
+          </p:nvPr>
+        </p:nvSpPr>
+        <p:spPr>
+          <a:xfrm>
+            <a:off x="0" y="0"/>
+            <a:ext cx="2982119" cy="466434"/>
+          </a:xfrm>
+          <a:prstGeom prst="rect">
+            <a:avLst/>
+          </a:prstGeom>
+        </p:spPr>
+        <p:txBody>
+          <a:bodyPr vert="horz" lIns="92446" tIns="46223" rIns="92446" bIns="46223" rtlCol="0"/>
+          <a:lstStyle>
+            <a:lvl1pPr algn="l">
+              <a:defRPr sz="1200"/>
+            </a:lvl1pPr>
+          </a:lstStyle>
+          <a:p>
+            <a:endParaRPr lang="en-US"/>
+          </a:p>
+        </p:txBody>
+      </p:sp>
+      <p:sp>
+        <p:nvSpPr>
+          <p:cNvPr id="3" name="Date Placeholder 2"/>
+          <p:cNvSpPr>
+            <a:spLocks noGrp="1"/>
+          </p:cNvSpPr>
+          <p:nvPr>
+            <p:ph type="dt" sz="quarter" idx="1"/>
+          </p:nvPr>
+        </p:nvSpPr>
+        <p:spPr>
+          <a:xfrm>
+            <a:off x="3898102" y="0"/>
+            <a:ext cx="2982119" cy="466434"/>
+          </a:xfrm>
+          <a:prstGeom prst="rect">
+            <a:avLst/>
+          </a:prstGeom>
+        </p:spPr>
+        <p:txBody>
+          <a:bodyPr vert="horz" lIns="92446" tIns="46223" rIns="92446" bIns="46223" rtlCol="0"/>
+          <a:lstStyle>
+            <a:lvl1pPr algn="r">
+              <a:defRPr sz="1200"/>
+            </a:lvl1pPr>
+          </a:lstStyle>
+          <a:p>
+            <a:fld id="{31070605-AD61-4901-827B-CB606B630141}" type="datetimeFigureOut">
+              <a:rPr lang="en-US" smtClean="0"/>
+              <a:t>6/12/2017</a:t>
+            </a:fld>
+            <a:endParaRPr lang="en-US"/>
+          </a:p>
+        </p:txBody>
+      </p:sp>
+      <p:sp>
+        <p:nvSpPr>
+          <p:cNvPr id="4" name="Footer Placeholder 3"/>
+          <p:cNvSpPr>
+            <a:spLocks noGrp="1"/>
+          </p:cNvSpPr>
+          <p:nvPr>
+            <p:ph type="ftr" sz="quarter" idx="2"/>
+          </p:nvPr>
+        </p:nvSpPr>
+        <p:spPr>
+          <a:xfrm>
+            <a:off x="0" y="8829967"/>
+            <a:ext cx="2982119" cy="466433"/>
+          </a:xfrm>
+          <a:prstGeom prst="rect">
+            <a:avLst/>
+          </a:prstGeom>
+        </p:spPr>
+        <p:txBody>
+          <a:bodyPr vert="horz" lIns="92446" tIns="46223" rIns="92446" bIns="46223" rtlCol="0" anchor="b"/>
+          <a:lstStyle>
+            <a:lvl1pPr algn="l">
+              <a:defRPr sz="1200"/>
+            </a:lvl1pPr>
+          </a:lstStyle>
+          <a:p>
+            <a:endParaRPr lang="en-US"/>
+          </a:p>
+        </p:txBody>
+      </p:sp>
+      <p:sp>
+        <p:nvSpPr>
+          <p:cNvPr id="5" name="Slide Number Placeholder 4"/>
+          <p:cNvSpPr>
+            <a:spLocks noGrp="1"/>
+          </p:cNvSpPr>
+          <p:nvPr>
+            <p:ph type="sldNum" sz="quarter" idx="3"/>
+          </p:nvPr>
+        </p:nvSpPr>
+        <p:spPr>
+          <a:xfrm>
+            <a:off x="3898102" y="8829967"/>
+            <a:ext cx="2982119" cy="466433"/>
+          </a:xfrm>
+          <a:prstGeom prst="rect">
+            <a:avLst/>
+          </a:prstGeom>
+        </p:spPr>
+        <p:txBody>
+          <a:bodyPr vert="horz" lIns="92446" tIns="46223" rIns="92446" bIns="46223" rtlCol="0" anchor="b"/>
+          <a:lstStyle>
+            <a:lvl1pPr algn="r">
+              <a:defRPr sz="1200"/>
+            </a:lvl1pPr>
+          </a:lstStyle>
+          <a:p>
+            <a:fld id="{6945753D-16E3-40FB-9F4F-A439CA58BFF6}" type="slidenum">
+              <a:rPr lang="en-US" smtClean="0"/>
+              <a:t>‹#›</a:t>
+            </a:fld>
+            <a:endParaRPr lang="en-US"/>
+          </a:p>
+        </p:txBody>
+      </p:sp>
+    </p:spTree>
+    <p:extLst>
+      <p:ext uri="{BB962C8B-B14F-4D97-AF65-F5344CB8AC3E}">
+        <p14:creationId xmlns:p14="http://schemas.microsoft.com/office/powerpoint/2010/main" val="706706921"/>
+      </p:ext>
+    </p:extLst>
+  </p:cSld>
+  <p:clrMap bg1="lt1" tx1="dk1" bg2="lt2" tx2="dk2" accent1="accent1" accent2="accent2" accent3="accent3" accent4="accent4" accent5="accent5" accent6="accent6" hlink="hlink" folHlink="folHlink"/>
+</p:handoutMaster>
+</file>
+
+<file path=ppt/notesMasters/notesMaster1.xml><?xml version="1.0" encoding="utf-8"?>
+<p:notesMaster xmlns:a="http://schemas.openxmlformats.org/drawingml/2006/main" xmlns:r="http://schemas.openxmlformats.org/officeDocument/2006/relationships" xmlns:p="http://schemas.openxmlformats.org/presentationml/2006/main">
+  <p:cSld>
+    <p:bg>
+      <p:bgRef idx="1001">
+        <a:schemeClr val="bg1"/>
+      </p:bgRef>
+    </p:bg>
+    <p:spTree>
+      <p:nvGrpSpPr>
+        <p:cNvPr id="1" name=""/>
+        <p:cNvGrpSpPr/>
+        <p:nvPr/>
+      </p:nvGrpSpPr>
+      <p:grpSpPr>
+        <a:xfrm>
+          <a:off x="0" y="0"/>
+          <a:ext cx="0" cy="0"/>
+          <a:chOff x="0" y="0"/>
+          <a:chExt cx="0" cy="0"/>
+        </a:xfrm>
+      </p:grpSpPr>
+      <p:sp>
+        <p:nvSpPr>
+          <p:cNvPr id="2" name="Header Placeholder 1"/>
+          <p:cNvSpPr>
+            <a:spLocks noGrp="1"/>
+          </p:cNvSpPr>
+          <p:nvPr>
+            <p:ph type="hdr" sz="quarter"/>
+          </p:nvPr>
+        </p:nvSpPr>
+        <p:spPr>
+          <a:xfrm>
+            <a:off x="0" y="0"/>
+            <a:ext cx="2982913" cy="466725"/>
+          </a:xfrm>
+          <a:prstGeom prst="rect">
+            <a:avLst/>
+          </a:prstGeom>
+        </p:spPr>
+        <p:txBody>
+          <a:bodyPr vert="horz" lIns="91440" tIns="45720" rIns="91440" bIns="45720" rtlCol="0"/>
+          <a:lstStyle>
+            <a:lvl1pPr algn="l">
+              <a:defRPr sz="1200"/>
+            </a:lvl1pPr>
+          </a:lstStyle>
+          <a:p>
+            <a:endParaRPr lang="en-US"/>
+          </a:p>
+        </p:txBody>
+      </p:sp>
+      <p:sp>
+        <p:nvSpPr>
+          <p:cNvPr id="3" name="Date Placeholder 2"/>
+          <p:cNvSpPr>
+            <a:spLocks noGrp="1"/>
+          </p:cNvSpPr>
+          <p:nvPr>
+            <p:ph type="dt" idx="1"/>
+          </p:nvPr>
+        </p:nvSpPr>
+        <p:spPr>
+          <a:xfrm>
+            <a:off x="3897313" y="0"/>
+            <a:ext cx="2982912" cy="466725"/>
+          </a:xfrm>
+          <a:prstGeom prst="rect">
+            <a:avLst/>
+          </a:prstGeom>
+        </p:spPr>
+        <p:txBody>
+          <a:bodyPr vert="horz" lIns="91440" tIns="45720" rIns="91440" bIns="45720" rtlCol="0"/>
+          <a:lstStyle>
+            <a:lvl1pPr algn="r">
+              <a:defRPr sz="1200"/>
+            </a:lvl1pPr>
+          </a:lstStyle>
+          <a:p>
+            <a:fld id="{396907D8-2202-4AFB-B92C-04AAD687167C}" type="datetimeFigureOut">
+              <a:rPr lang="en-US" smtClean="0"/>
+              <a:t>6/13/2017</a:t>
+            </a:fld>
+            <a:endParaRPr lang="en-US"/>
+          </a:p>
+        </p:txBody>
+      </p:sp>
+      <p:sp>
+        <p:nvSpPr>
+          <p:cNvPr id="4" name="Slide Image Placeholder 3"/>
+          <p:cNvSpPr>
+            <a:spLocks noGrp="1" noRot="1" noChangeAspect="1"/>
+          </p:cNvSpPr>
+          <p:nvPr>
+            <p:ph type="sldImg" idx="2"/>
+          </p:nvPr>
+        </p:nvSpPr>
+        <p:spPr>
+          <a:xfrm>
+            <a:off x="654050" y="1162050"/>
+            <a:ext cx="5575300" cy="3136900"/>
+          </a:xfrm>
+          <a:prstGeom prst="rect">
+            <a:avLst/>
+          </a:prstGeom>
+          <a:noFill/>
+          <a:ln w="12700">
+            <a:solidFill>
+              <a:prstClr val="black"/>
+            </a:solidFill>
+          </a:ln>
+        </p:spPr>
+        <p:txBody>
+          <a:bodyPr vert="horz" lIns="91440" tIns="45720" rIns="91440" bIns="45720" rtlCol="0" anchor="ctr"/>
+          <a:lstStyle/>
+          <a:p>
+            <a:endParaRPr lang="en-US"/>
+          </a:p>
+        </p:txBody>
+      </p:sp>
+      <p:sp>
+        <p:nvSpPr>
+          <p:cNvPr id="5" name="Notes Placeholder 4"/>
+          <p:cNvSpPr>
+            <a:spLocks noGrp="1"/>
+          </p:cNvSpPr>
+          <p:nvPr>
+            <p:ph type="body" sz="quarter" idx="3"/>
+          </p:nvPr>
+        </p:nvSpPr>
+        <p:spPr>
+          <a:xfrm>
+            <a:off x="688975" y="4473575"/>
+            <a:ext cx="5505450" cy="3660775"/>
+          </a:xfrm>
+          <a:prstGeom prst="rect">
+            <a:avLst/>
+          </a:prstGeom>
+        </p:spPr>
+        <p:txBody>
+          <a:bodyPr vert="horz" lIns="91440" tIns="45720" rIns="91440" bIns="45720" rtlCol="0"/>
+          <a:lstStyle/>
+          <a:p>
+            <a:pPr lvl="0"/>
+            <a:r>
+              <a:rPr lang="en-US" smtClean="0"/>
+              <a:t>Click to edit Master text styles</a:t>
+            </a:r>
+          </a:p>
+          <a:p>
+            <a:pPr lvl="1"/>
+            <a:r>
+              <a:rPr lang="en-US" smtClean="0"/>
+              <a:t>Second level</a:t>
+            </a:r>
+          </a:p>
+          <a:p>
+            <a:pPr lvl="2"/>
+            <a:r>
+              <a:rPr lang="en-US" smtClean="0"/>
+              <a:t>Third level</a:t>
+            </a:r>
+          </a:p>
+          <a:p>
+            <a:pPr lvl="3"/>
+            <a:r>
+              <a:rPr lang="en-US" smtClean="0"/>
+              <a:t>Fourth level</a:t>
+            </a:r>
+          </a:p>
+          <a:p>
+            <a:pPr lvl="4"/>
+            <a:r>
+              <a:rPr lang="en-US" smtClean="0"/>
+              <a:t>Fifth level</a:t>
+            </a:r>
+            <a:endParaRPr lang="en-US"/>
+          </a:p>
+        </p:txBody>
+      </p:sp>
+      <p:sp>
+        <p:nvSpPr>
+          <p:cNvPr id="6" name="Footer Placeholder 5"/>
+          <p:cNvSpPr>
+            <a:spLocks noGrp="1"/>
+          </p:cNvSpPr>
+          <p:nvPr>
+            <p:ph type="ftr" sz="quarter" idx="4"/>
+          </p:nvPr>
+        </p:nvSpPr>
+        <p:spPr>
+          <a:xfrm>
+            <a:off x="0" y="8829675"/>
+            <a:ext cx="2982913" cy="466725"/>
+          </a:xfrm>
+          <a:prstGeom prst="rect">
+            <a:avLst/>
+          </a:prstGeom>
+        </p:spPr>
+        <p:txBody>
+          <a:bodyPr vert="horz" lIns="91440" tIns="45720" rIns="91440" bIns="45720" rtlCol="0" anchor="b"/>
+          <a:lstStyle>
+            <a:lvl1pPr algn="l">
+              <a:defRPr sz="1200"/>
+            </a:lvl1pPr>
+          </a:lstStyle>
+          <a:p>
+            <a:endParaRPr lang="en-US"/>
+          </a:p>
+        </p:txBody>
+      </p:sp>
+      <p:sp>
+        <p:nvSpPr>
+          <p:cNvPr id="7" name="Slide Number Placeholder 6"/>
+          <p:cNvSpPr>
+            <a:spLocks noGrp="1"/>
+          </p:cNvSpPr>
+          <p:nvPr>
+            <p:ph type="sldNum" sz="quarter" idx="5"/>
+          </p:nvPr>
+        </p:nvSpPr>
+        <p:spPr>
+          <a:xfrm>
+            <a:off x="3897313" y="8829675"/>
+            <a:ext cx="2982912" cy="466725"/>
+          </a:xfrm>
+          <a:prstGeom prst="rect">
+            <a:avLst/>
+          </a:prstGeom>
+        </p:spPr>
+        <p:txBody>
+          <a:bodyPr vert="horz" lIns="91440" tIns="45720" rIns="91440" bIns="45720" rtlCol="0" anchor="b"/>
+          <a:lstStyle>
+            <a:lvl1pPr algn="r">
+              <a:defRPr sz="1200"/>
+            </a:lvl1pPr>
+          </a:lstStyle>
+          <a:p>
+            <a:fld id="{29E2D12F-B278-45F8-B637-BEBDE785CBEE}" type="slidenum">
+              <a:rPr lang="en-US" smtClean="0"/>
+              <a:t>‹#›</a:t>
+            </a:fld>
+            <a:endParaRPr lang="en-US"/>
+          </a:p>
+        </p:txBody>
+      </p:sp>
+    </p:spTree>
+    <p:extLst>
+      <p:ext uri="{BB962C8B-B14F-4D97-AF65-F5344CB8AC3E}">
+        <p14:creationId xmlns:p14="http://schemas.microsoft.com/office/powerpoint/2010/main" val="560787969"/>
+      </p:ext>
+    </p:extLst>
+  </p:cSld>
+  <p:clrMap bg1="lt1" tx1="dk1" bg2="lt2" tx2="dk2" accent1="accent1" accent2="accent2" accent3="accent3" accent4="accent4" accent5="accent5" accent6="accent6" hlink="hlink" folHlink="folHlink"/>
+  <p:notesStyle>
+    <a:lvl1pPr marL="0" algn="l" defTabSz="914400" rtl="0" eaLnBrk="1" latinLnBrk="0" hangingPunct="1">
+      <a:defRPr sz="1200" kern="1200">
+        <a:solidFill>
+          <a:schemeClr val="tx1"/>
+        </a:solidFill>
+        <a:latin typeface="+mn-lt"/>
+        <a:ea typeface="+mn-ea"/>
+        <a:cs typeface="+mn-cs"/>
+      </a:defRPr>
+    </a:lvl1pPr>
+    <a:lvl2pPr marL="457200" algn="l" defTabSz="914400" rtl="0" eaLnBrk="1" latinLnBrk="0" hangingPunct="1">
+      <a:defRPr sz="1200" kern="1200">
+        <a:solidFill>
+          <a:schemeClr val="tx1"/>
+        </a:solidFill>
+        <a:latin typeface="+mn-lt"/>
+        <a:ea typeface="+mn-ea"/>
+        <a:cs typeface="+mn-cs"/>
+      </a:defRPr>
+    </a:lvl2pPr>
+    <a:lvl3pPr marL="914400" algn="l" defTabSz="914400" rtl="0" eaLnBrk="1" latinLnBrk="0" hangingPunct="1">
+      <a:defRPr sz="1200" kern="1200">
+        <a:solidFill>
+          <a:schemeClr val="tx1"/>
+        </a:solidFill>
+        <a:latin typeface="+mn-lt"/>
+        <a:ea typeface="+mn-ea"/>
+        <a:cs typeface="+mn-cs"/>
+      </a:defRPr>
+    </a:lvl3pPr>
+    <a:lvl4pPr marL="1371600" algn="l" defTabSz="914400" rtl="0" eaLnBrk="1" latinLnBrk="0" hangingPunct="1">
+      <a:defRPr sz="1200" kern="1200">
+        <a:solidFill>
+          <a:schemeClr val="tx1"/>
+        </a:solidFill>
+        <a:latin typeface="+mn-lt"/>
+        <a:ea typeface="+mn-ea"/>
+        <a:cs typeface="+mn-cs"/>
+      </a:defRPr>
+    </a:lvl4pPr>
+    <a:lvl5pPr marL="1828800" algn="l" defTabSz="914400" rtl="0" eaLnBrk="1" latinLnBrk="0" hangingPunct="1">
+      <a:defRPr sz="1200" kern="1200">
+        <a:solidFill>
+          <a:schemeClr val="tx1"/>
+        </a:solidFill>
+        <a:latin typeface="+mn-lt"/>
+        <a:ea typeface="+mn-ea"/>
+        <a:cs typeface="+mn-cs"/>
+      </a:defRPr>
+    </a:lvl5pPr>
+    <a:lvl6pPr marL="2286000" algn="l" defTabSz="914400" rtl="0" eaLnBrk="1" latinLnBrk="0" hangingPunct="1">
+      <a:defRPr sz="1200" kern="1200">
+        <a:solidFill>
+          <a:schemeClr val="tx1"/>
+        </a:solidFill>
+        <a:latin typeface="+mn-lt"/>
+        <a:ea typeface="+mn-ea"/>
+        <a:cs typeface="+mn-cs"/>
+      </a:defRPr>
+    </a:lvl6pPr>
+    <a:lvl7pPr marL="2743200" algn="l" defTabSz="914400" rtl="0" eaLnBrk="1" latinLnBrk="0" hangingPunct="1">
+      <a:defRPr sz="1200" kern="1200">
+        <a:solidFill>
+          <a:schemeClr val="tx1"/>
+        </a:solidFill>
+        <a:latin typeface="+mn-lt"/>
+        <a:ea typeface="+mn-ea"/>
+        <a:cs typeface="+mn-cs"/>
+      </a:defRPr>
+    </a:lvl7pPr>
+    <a:lvl8pPr marL="3200400" algn="l" defTabSz="914400" rtl="0" eaLnBrk="1" latinLnBrk="0" hangingPunct="1">
+      <a:defRPr sz="1200" kern="1200">
+        <a:solidFill>
+          <a:schemeClr val="tx1"/>
+        </a:solidFill>
+        <a:latin typeface="+mn-lt"/>
+        <a:ea typeface="+mn-ea"/>
+        <a:cs typeface="+mn-cs"/>
+      </a:defRPr>
+    </a:lvl8pPr>
+    <a:lvl9pPr marL="3657600" algn="l" defTabSz="914400" rtl="0" eaLnBrk="1" latinLnBrk="0" hangingPunct="1">
+      <a:defRPr sz="1200" kern="1200">
+        <a:solidFill>
+          <a:schemeClr val="tx1"/>
+        </a:solidFill>
+        <a:latin typeface="+mn-lt"/>
+        <a:ea typeface="+mn-ea"/>
+        <a:cs typeface="+mn-cs"/>
+      </a:defRPr>
+    </a:lvl9pPr>
+  </p:notesStyle>
+</p:notesMaster>
+</file>
+
+<file path=ppt/notesSlides/notesSlide1.xml><?xml version="1.0" encoding="utf-8"?>
+<p:notes xmlns:a="http://schemas.openxmlformats.org/drawingml/2006/main" xmlns:r="http://schemas.openxmlformats.org/officeDocument/2006/relationships" xmlns:p="http://schemas.openxmlformats.org/presentationml/2006/main">
+  <p:cSld>
+    <p:spTree>
+      <p:nvGrpSpPr>
+        <p:cNvPr id="1" name=""/>
+        <p:cNvGrpSpPr/>
+        <p:nvPr/>
+      </p:nvGrpSpPr>
+      <p:grpSpPr>
+        <a:xfrm>
+          <a:off x="0" y="0"/>
+          <a:ext cx="0" cy="0"/>
+          <a:chOff x="0" y="0"/>
+          <a:chExt cx="0" cy="0"/>
+        </a:xfrm>
+      </p:grpSpPr>
+      <p:sp>
+        <p:nvSpPr>
+          <p:cNvPr id="2" name="Slide Image Placeholder 1"/>
+          <p:cNvSpPr>
+            <a:spLocks noGrp="1" noRot="1" noChangeAspect="1"/>
+          </p:cNvSpPr>
+          <p:nvPr>
+            <p:ph type="sldImg"/>
+          </p:nvPr>
+        </p:nvSpPr>
+        <p:spPr/>
+      </p:sp>
+      <p:sp>
+        <p:nvSpPr>
+          <p:cNvPr id="3" name="Notes Placeholder 2"/>
+          <p:cNvSpPr>
+            <a:spLocks noGrp="1"/>
+          </p:cNvSpPr>
+          <p:nvPr>
+            <p:ph type="body" idx="1"/>
+          </p:nvPr>
+        </p:nvSpPr>
+        <p:spPr/>
+        <p:txBody>
+          <a:bodyPr/>
+          <a:lstStyle/>
+          <a:p>
+            <a:endParaRPr lang="en-US"/>
+          </a:p>
+        </p:txBody>
+      </p:sp>
+      <p:sp>
+        <p:nvSpPr>
+          <p:cNvPr id="4" name="Slide Number Placeholder 3"/>
+          <p:cNvSpPr>
+            <a:spLocks noGrp="1"/>
+          </p:cNvSpPr>
+          <p:nvPr>
+            <p:ph type="sldNum" sz="quarter" idx="10"/>
+          </p:nvPr>
+        </p:nvSpPr>
+        <p:spPr/>
+        <p:txBody>
+          <a:bodyPr/>
+          <a:lstStyle/>
+          <a:p>
+            <a:fld id="{29E2D12F-B278-45F8-B637-BEBDE785CBEE}" type="slidenum">
+              <a:rPr lang="en-US" smtClean="0"/>
+              <a:t>1</a:t>
+            </a:fld>
+            <a:endParaRPr lang="en-US"/>
+          </a:p>
+        </p:txBody>
+      </p:sp>
+    </p:spTree>
+    <p:extLst>
+      <p:ext uri="{BB962C8B-B14F-4D97-AF65-F5344CB8AC3E}">
+        <p14:creationId xmlns:p14="http://schemas.microsoft.com/office/powerpoint/2010/main" val="4030822219"/>
+      </p:ext>
+    </p:extLst>
+  </p:cSld>
+  <p:clrMapOvr>
+    <a:masterClrMapping/>
+  </p:clrMapOvr>
+</p:notes>
+</file>
+
+<file path=ppt/notesSlides/notesSlide2.xml><?xml version="1.0" encoding="utf-8"?>
+<p:notes xmlns:a="http://schemas.openxmlformats.org/drawingml/2006/main" xmlns:r="http://schemas.openxmlformats.org/officeDocument/2006/relationships" xmlns:p="http://schemas.openxmlformats.org/presentationml/2006/main">
+  <p:cSld>
+    <p:spTree>
+      <p:nvGrpSpPr>
+        <p:cNvPr id="1" name=""/>
+        <p:cNvGrpSpPr/>
+        <p:nvPr/>
+      </p:nvGrpSpPr>
+      <p:grpSpPr>
+        <a:xfrm>
+          <a:off x="0" y="0"/>
+          <a:ext cx="0" cy="0"/>
+          <a:chOff x="0" y="0"/>
+          <a:chExt cx="0" cy="0"/>
+        </a:xfrm>
+      </p:grpSpPr>
+      <p:sp>
+        <p:nvSpPr>
+          <p:cNvPr id="2" name="Slide Image Placeholder 1"/>
+          <p:cNvSpPr>
+            <a:spLocks noGrp="1" noRot="1" noChangeAspect="1"/>
+          </p:cNvSpPr>
+          <p:nvPr>
+            <p:ph type="sldImg"/>
+          </p:nvPr>
+        </p:nvSpPr>
+        <p:spPr/>
+      </p:sp>
+      <p:sp>
+        <p:nvSpPr>
+          <p:cNvPr id="3" name="Notes Placeholder 2"/>
+          <p:cNvSpPr>
+            <a:spLocks noGrp="1"/>
+          </p:cNvSpPr>
+          <p:nvPr>
+            <p:ph type="body" idx="1"/>
+          </p:nvPr>
+        </p:nvSpPr>
+        <p:spPr/>
+        <p:txBody>
+          <a:bodyPr/>
+          <a:lstStyle/>
+          <a:p>
+            <a:endParaRPr lang="en-US"/>
+          </a:p>
+        </p:txBody>
+      </p:sp>
+      <p:sp>
+        <p:nvSpPr>
+          <p:cNvPr id="4" name="Slide Number Placeholder 3"/>
+          <p:cNvSpPr>
+            <a:spLocks noGrp="1"/>
+          </p:cNvSpPr>
+          <p:nvPr>
+            <p:ph type="sldNum" sz="quarter" idx="10"/>
+          </p:nvPr>
+        </p:nvSpPr>
+        <p:spPr/>
+        <p:txBody>
+          <a:bodyPr/>
+          <a:lstStyle/>
+          <a:p>
+            <a:fld id="{29E2D12F-B278-45F8-B637-BEBDE785CBEE}" type="slidenum">
+              <a:rPr lang="en-US" smtClean="0"/>
+              <a:t>3</a:t>
+            </a:fld>
+            <a:endParaRPr lang="en-US"/>
+          </a:p>
+        </p:txBody>
+      </p:sp>
+    </p:spTree>
+    <p:extLst>
+      <p:ext uri="{BB962C8B-B14F-4D97-AF65-F5344CB8AC3E}">
+        <p14:creationId xmlns:p14="http://schemas.microsoft.com/office/powerpoint/2010/main" val="4223997758"/>
+      </p:ext>
+    </p:extLst>
+  </p:cSld>
+  <p:clrMapOvr>
+    <a:masterClrMapping/>
+  </p:clrMapOvr>
+</p:notes>
 </file>
 
 <file path=ppt/slideLayouts/slideLayout1.xml><?xml version="1.0" encoding="utf-8"?>
@@ -870,9 +1560,9 @@
           <a:bodyPr/>
           <a:lstStyle/>
           <a:p>
-            <a:fld id="{F9FA8708-FD54-4E05-9EF4-7071457BBB92}" type="datetimeFigureOut">
+            <a:fld id="{F91426CA-C690-498F-9C27-A312C9A26C5B}" type="datetime1">
               <a:rPr lang="en-US" smtClean="0"/>
-              <a:t>6/12/2017</a:t>
+              <a:t>6/13/2017</a:t>
             </a:fld>
             <a:endParaRPr lang="en-US"/>
           </a:p>
@@ -1121,9 +1811,9 @@
           <a:bodyPr/>
           <a:lstStyle/>
           <a:p>
-            <a:fld id="{F9FA8708-FD54-4E05-9EF4-7071457BBB92}" type="datetimeFigureOut">
+            <a:fld id="{A67F4C79-D59E-4CEC-820E-EB1651A2DE05}" type="datetime1">
               <a:rPr lang="en-US" smtClean="0"/>
-              <a:t>6/12/2017</a:t>
+              <a:t>6/13/2017</a:t>
             </a:fld>
             <a:endParaRPr lang="en-US"/>
           </a:p>
@@ -1435,9 +2125,9 @@
           <a:bodyPr/>
           <a:lstStyle/>
           <a:p>
-            <a:fld id="{F9FA8708-FD54-4E05-9EF4-7071457BBB92}" type="datetimeFigureOut">
+            <a:fld id="{4591D082-C1ED-4C38-9D1E-B48FCB9B20B6}" type="datetime1">
               <a:rPr lang="en-US" smtClean="0"/>
-              <a:t>6/12/2017</a:t>
+              <a:t>6/13/2017</a:t>
             </a:fld>
             <a:endParaRPr lang="en-US"/>
           </a:p>
@@ -1776,9 +2466,9 @@
           <a:bodyPr/>
           <a:lstStyle/>
           <a:p>
-            <a:fld id="{F9FA8708-FD54-4E05-9EF4-7071457BBB92}" type="datetimeFigureOut">
+            <a:fld id="{0EB3498F-8433-4672-BE05-5CBE4AD6976A}" type="datetime1">
               <a:rPr lang="en-US" smtClean="0"/>
-              <a:t>6/12/2017</a:t>
+              <a:t>6/13/2017</a:t>
             </a:fld>
             <a:endParaRPr lang="en-US"/>
           </a:p>
@@ -2090,9 +2780,9 @@
           <a:bodyPr/>
           <a:lstStyle/>
           <a:p>
-            <a:fld id="{F9FA8708-FD54-4E05-9EF4-7071457BBB92}" type="datetimeFigureOut">
+            <a:fld id="{2651D539-FE60-4A9A-8330-916F5B12439D}" type="datetime1">
               <a:rPr lang="en-US" smtClean="0"/>
-              <a:t>6/12/2017</a:t>
+              <a:t>6/13/2017</a:t>
             </a:fld>
             <a:endParaRPr lang="en-US"/>
           </a:p>
@@ -2483,9 +3173,9 @@
           <a:bodyPr/>
           <a:lstStyle/>
           <a:p>
-            <a:fld id="{F9FA8708-FD54-4E05-9EF4-7071457BBB92}" type="datetimeFigureOut">
+            <a:fld id="{CF040E84-9C70-4FE2-B2F4-60049D3A85D2}" type="datetime1">
               <a:rPr lang="en-US" smtClean="0"/>
-              <a:t>6/12/2017</a:t>
+              <a:t>6/13/2017</a:t>
             </a:fld>
             <a:endParaRPr lang="en-US"/>
           </a:p>
@@ -2653,9 +3343,9 @@
           <a:bodyPr/>
           <a:lstStyle/>
           <a:p>
-            <a:fld id="{F9FA8708-FD54-4E05-9EF4-7071457BBB92}" type="datetimeFigureOut">
+            <a:fld id="{CDD55A50-A90B-4F16-9E22-B4459A38E9E9}" type="datetime1">
               <a:rPr lang="en-US" smtClean="0"/>
-              <a:t>6/12/2017</a:t>
+              <a:t>6/13/2017</a:t>
             </a:fld>
             <a:endParaRPr lang="en-US"/>
           </a:p>
@@ -2833,9 +3523,9 @@
           <a:bodyPr/>
           <a:lstStyle/>
           <a:p>
-            <a:fld id="{F9FA8708-FD54-4E05-9EF4-7071457BBB92}" type="datetimeFigureOut">
+            <a:fld id="{292EDBB6-0101-4AE7-9696-32B738C06E9B}" type="datetime1">
               <a:rPr lang="en-US" smtClean="0"/>
-              <a:t>6/12/2017</a:t>
+              <a:t>6/13/2017</a:t>
             </a:fld>
             <a:endParaRPr lang="en-US"/>
           </a:p>
@@ -3009,9 +3699,9 @@
           <a:bodyPr/>
           <a:lstStyle/>
           <a:p>
-            <a:fld id="{F9FA8708-FD54-4E05-9EF4-7071457BBB92}" type="datetimeFigureOut">
+            <a:fld id="{9B8C7A87-E1C5-483D-A5C8-4B099F5424BE}" type="datetime1">
               <a:rPr lang="en-US" smtClean="0"/>
-              <a:t>6/12/2017</a:t>
+              <a:t>6/13/2017</a:t>
             </a:fld>
             <a:endParaRPr lang="en-US"/>
           </a:p>
@@ -3256,9 +3946,9 @@
           <a:bodyPr/>
           <a:lstStyle/>
           <a:p>
-            <a:fld id="{F9FA8708-FD54-4E05-9EF4-7071457BBB92}" type="datetimeFigureOut">
+            <a:fld id="{16CB5D35-0A6B-4248-BFAA-1B3BDF6E9AC9}" type="datetime1">
               <a:rPr lang="en-US" smtClean="0"/>
-              <a:t>6/12/2017</a:t>
+              <a:t>6/13/2017</a:t>
             </a:fld>
             <a:endParaRPr lang="en-US"/>
           </a:p>
@@ -3488,9 +4178,9 @@
           <a:bodyPr/>
           <a:lstStyle/>
           <a:p>
-            <a:fld id="{F9FA8708-FD54-4E05-9EF4-7071457BBB92}" type="datetimeFigureOut">
+            <a:fld id="{BED27053-BF7B-46FE-94AF-9B9EDCC8E48C}" type="datetime1">
               <a:rPr lang="en-US" smtClean="0"/>
-              <a:t>6/12/2017</a:t>
+              <a:t>6/13/2017</a:t>
             </a:fld>
             <a:endParaRPr lang="en-US"/>
           </a:p>
@@ -3862,9 +4552,9 @@
           <a:bodyPr/>
           <a:lstStyle/>
           <a:p>
-            <a:fld id="{F9FA8708-FD54-4E05-9EF4-7071457BBB92}" type="datetimeFigureOut">
+            <a:fld id="{04E7CEF1-A63D-4B18-B793-4E1970A1D15E}" type="datetime1">
               <a:rPr lang="en-US" smtClean="0"/>
-              <a:t>6/12/2017</a:t>
+              <a:t>6/13/2017</a:t>
             </a:fld>
             <a:endParaRPr lang="en-US"/>
           </a:p>
@@ -3985,9 +4675,9 @@
           <a:bodyPr/>
           <a:lstStyle/>
           <a:p>
-            <a:fld id="{F9FA8708-FD54-4E05-9EF4-7071457BBB92}" type="datetimeFigureOut">
+            <a:fld id="{D70EF996-D323-458A-959B-80C8E96B9BD6}" type="datetime1">
               <a:rPr lang="en-US" smtClean="0"/>
-              <a:t>6/12/2017</a:t>
+              <a:t>6/13/2017</a:t>
             </a:fld>
             <a:endParaRPr lang="en-US"/>
           </a:p>
@@ -4080,9 +4770,9 @@
           <a:bodyPr/>
           <a:lstStyle/>
           <a:p>
-            <a:fld id="{F9FA8708-FD54-4E05-9EF4-7071457BBB92}" type="datetimeFigureOut">
+            <a:fld id="{EFEFB86E-8F3F-4A95-9DBD-077D60A0B8D6}" type="datetime1">
               <a:rPr lang="en-US" smtClean="0"/>
-              <a:t>6/12/2017</a:t>
+              <a:t>6/13/2017</a:t>
             </a:fld>
             <a:endParaRPr lang="en-US"/>
           </a:p>
@@ -4335,9 +5025,9 @@
           <a:bodyPr/>
           <a:lstStyle/>
           <a:p>
-            <a:fld id="{F9FA8708-FD54-4E05-9EF4-7071457BBB92}" type="datetimeFigureOut">
+            <a:fld id="{1AF5908A-F67A-4620-BBA6-CA8A63B970A9}" type="datetime1">
               <a:rPr lang="en-US" smtClean="0"/>
-              <a:t>6/12/2017</a:t>
+              <a:t>6/13/2017</a:t>
             </a:fld>
             <a:endParaRPr lang="en-US"/>
           </a:p>
@@ -4598,9 +5288,9 @@
           <a:bodyPr/>
           <a:lstStyle/>
           <a:p>
-            <a:fld id="{F9FA8708-FD54-4E05-9EF4-7071457BBB92}" type="datetimeFigureOut">
+            <a:fld id="{D96AB743-E047-4275-BC35-B6F88BFFF18E}" type="datetime1">
               <a:rPr lang="en-US" smtClean="0"/>
-              <a:t>6/12/2017</a:t>
+              <a:t>6/13/2017</a:t>
             </a:fld>
             <a:endParaRPr lang="en-US"/>
           </a:p>
@@ -5341,9 +6031,9 @@
             </a:lvl1pPr>
           </a:lstStyle>
           <a:p>
-            <a:fld id="{F9FA8708-FD54-4E05-9EF4-7071457BBB92}" type="datetimeFigureOut">
+            <a:fld id="{857817C7-C5ED-4381-B53F-3D5B1DF2FA9B}" type="datetime1">
               <a:rPr lang="en-US" smtClean="0"/>
-              <a:t>6/12/2017</a:t>
+              <a:t>6/13/2017</a:t>
             </a:fld>
             <a:endParaRPr lang="en-US"/>
           </a:p>
@@ -5451,6 +6141,7 @@
     <p:sldLayoutId id="2147483675" r:id="rId15"/>
     <p:sldLayoutId id="2147483676" r:id="rId16"/>
   </p:sldLayoutIdLst>
+  <p:hf hdr="0" ftr="0" dt="0"/>
   <p:txStyles>
     <p:titleStyle>
       <a:lvl1pPr algn="l" defTabSz="457200" rtl="0" eaLnBrk="1" latinLnBrk="0" hangingPunct="1">
@@ -6100,6 +6791,29 @@
           </a:prstGeom>
         </p:spPr>
       </p:pic>
+      <p:sp>
+        <p:nvSpPr>
+          <p:cNvPr id="5" name="Slide Number Placeholder 4"/>
+          <p:cNvSpPr>
+            <a:spLocks noGrp="1"/>
+          </p:cNvSpPr>
+          <p:nvPr>
+            <p:ph type="sldNum" sz="quarter" idx="12"/>
+          </p:nvPr>
+        </p:nvSpPr>
+        <p:spPr/>
+        <p:txBody>
+          <a:bodyPr/>
+          <a:lstStyle/>
+          <a:p>
+            <a:fld id="{EE623193-3B07-41E3-89CD-497FFD80429D}" type="slidenum">
+              <a:rPr lang="en-US" smtClean="0"/>
+              <a:t>10</a:t>
+            </a:fld>
+            <a:endParaRPr lang="en-US"/>
+          </a:p>
+        </p:txBody>
+      </p:sp>
     </p:spTree>
     <p:extLst>
       <p:ext uri="{BB962C8B-B14F-4D97-AF65-F5344CB8AC3E}">
@@ -6484,6 +7198,29 @@
           </a:prstGeom>
         </p:spPr>
       </p:pic>
+      <p:sp>
+        <p:nvSpPr>
+          <p:cNvPr id="2" name="Slide Number Placeholder 1"/>
+          <p:cNvSpPr>
+            <a:spLocks noGrp="1"/>
+          </p:cNvSpPr>
+          <p:nvPr>
+            <p:ph type="sldNum" sz="quarter" idx="12"/>
+          </p:nvPr>
+        </p:nvSpPr>
+        <p:spPr/>
+        <p:txBody>
+          <a:bodyPr/>
+          <a:lstStyle/>
+          <a:p>
+            <a:fld id="{EE623193-3B07-41E3-89CD-497FFD80429D}" type="slidenum">
+              <a:rPr lang="en-US" smtClean="0"/>
+              <a:t>11</a:t>
+            </a:fld>
+            <a:endParaRPr lang="en-US"/>
+          </a:p>
+        </p:txBody>
+      </p:sp>
     </p:spTree>
     <p:extLst>
       <p:ext uri="{BB962C8B-B14F-4D97-AF65-F5344CB8AC3E}">
@@ -6551,6 +7288,29 @@
           </a:xfrm>
         </p:spPr>
       </p:pic>
+      <p:sp>
+        <p:nvSpPr>
+          <p:cNvPr id="2" name="Slide Number Placeholder 1"/>
+          <p:cNvSpPr>
+            <a:spLocks noGrp="1"/>
+          </p:cNvSpPr>
+          <p:nvPr>
+            <p:ph type="sldNum" sz="quarter" idx="12"/>
+          </p:nvPr>
+        </p:nvSpPr>
+        <p:spPr/>
+        <p:txBody>
+          <a:bodyPr/>
+          <a:lstStyle/>
+          <a:p>
+            <a:fld id="{EE623193-3B07-41E3-89CD-497FFD80429D}" type="slidenum">
+              <a:rPr lang="en-US" smtClean="0"/>
+              <a:t>12</a:t>
+            </a:fld>
+            <a:endParaRPr lang="en-US"/>
+          </a:p>
+        </p:txBody>
+      </p:sp>
     </p:spTree>
     <p:extLst>
       <p:ext uri="{BB962C8B-B14F-4D97-AF65-F5344CB8AC3E}">
@@ -6810,6 +7570,29 @@
           </a:p>
         </p:txBody>
       </p:sp>
+      <p:sp>
+        <p:nvSpPr>
+          <p:cNvPr id="3" name="Slide Number Placeholder 2"/>
+          <p:cNvSpPr>
+            <a:spLocks noGrp="1"/>
+          </p:cNvSpPr>
+          <p:nvPr>
+            <p:ph type="sldNum" sz="quarter" idx="12"/>
+          </p:nvPr>
+        </p:nvSpPr>
+        <p:spPr/>
+        <p:txBody>
+          <a:bodyPr/>
+          <a:lstStyle/>
+          <a:p>
+            <a:fld id="{EE623193-3B07-41E3-89CD-497FFD80429D}" type="slidenum">
+              <a:rPr lang="en-US" smtClean="0"/>
+              <a:t>13</a:t>
+            </a:fld>
+            <a:endParaRPr lang="en-US"/>
+          </a:p>
+        </p:txBody>
+      </p:sp>
     </p:spTree>
     <p:extLst>
       <p:ext uri="{BB962C8B-B14F-4D97-AF65-F5344CB8AC3E}">
@@ -6876,6 +7659,29 @@
           </a:xfrm>
         </p:spPr>
       </p:pic>
+      <p:sp>
+        <p:nvSpPr>
+          <p:cNvPr id="2" name="Slide Number Placeholder 1"/>
+          <p:cNvSpPr>
+            <a:spLocks noGrp="1"/>
+          </p:cNvSpPr>
+          <p:nvPr>
+            <p:ph type="sldNum" sz="quarter" idx="12"/>
+          </p:nvPr>
+        </p:nvSpPr>
+        <p:spPr/>
+        <p:txBody>
+          <a:bodyPr/>
+          <a:lstStyle/>
+          <a:p>
+            <a:fld id="{EE623193-3B07-41E3-89CD-497FFD80429D}" type="slidenum">
+              <a:rPr lang="en-US" smtClean="0"/>
+              <a:t>14</a:t>
+            </a:fld>
+            <a:endParaRPr lang="en-US"/>
+          </a:p>
+        </p:txBody>
+      </p:sp>
     </p:spTree>
     <p:extLst>
       <p:ext uri="{BB962C8B-B14F-4D97-AF65-F5344CB8AC3E}">
@@ -6943,6 +7749,29 @@
           </a:prstGeom>
         </p:spPr>
       </p:pic>
+      <p:sp>
+        <p:nvSpPr>
+          <p:cNvPr id="2" name="Slide Number Placeholder 1"/>
+          <p:cNvSpPr>
+            <a:spLocks noGrp="1"/>
+          </p:cNvSpPr>
+          <p:nvPr>
+            <p:ph type="sldNum" sz="quarter" idx="12"/>
+          </p:nvPr>
+        </p:nvSpPr>
+        <p:spPr/>
+        <p:txBody>
+          <a:bodyPr/>
+          <a:lstStyle/>
+          <a:p>
+            <a:fld id="{EE623193-3B07-41E3-89CD-497FFD80429D}" type="slidenum">
+              <a:rPr lang="en-US" smtClean="0"/>
+              <a:t>15</a:t>
+            </a:fld>
+            <a:endParaRPr lang="en-US"/>
+          </a:p>
+        </p:txBody>
+      </p:sp>
     </p:spTree>
     <p:extLst>
       <p:ext uri="{BB962C8B-B14F-4D97-AF65-F5344CB8AC3E}">
@@ -7010,6 +7839,29 @@
           </a:prstGeom>
         </p:spPr>
       </p:pic>
+      <p:sp>
+        <p:nvSpPr>
+          <p:cNvPr id="2" name="Slide Number Placeholder 1"/>
+          <p:cNvSpPr>
+            <a:spLocks noGrp="1"/>
+          </p:cNvSpPr>
+          <p:nvPr>
+            <p:ph type="sldNum" sz="quarter" idx="12"/>
+          </p:nvPr>
+        </p:nvSpPr>
+        <p:spPr/>
+        <p:txBody>
+          <a:bodyPr/>
+          <a:lstStyle/>
+          <a:p>
+            <a:fld id="{EE623193-3B07-41E3-89CD-497FFD80429D}" type="slidenum">
+              <a:rPr lang="en-US" smtClean="0"/>
+              <a:t>16</a:t>
+            </a:fld>
+            <a:endParaRPr lang="en-US"/>
+          </a:p>
+        </p:txBody>
+      </p:sp>
     </p:spTree>
     <p:extLst>
       <p:ext uri="{BB962C8B-B14F-4D97-AF65-F5344CB8AC3E}">
@@ -7137,6 +7989,29 @@
           </a:prstGeom>
         </p:spPr>
       </p:pic>
+      <p:sp>
+        <p:nvSpPr>
+          <p:cNvPr id="2" name="Slide Number Placeholder 1"/>
+          <p:cNvSpPr>
+            <a:spLocks noGrp="1"/>
+          </p:cNvSpPr>
+          <p:nvPr>
+            <p:ph type="sldNum" sz="quarter" idx="12"/>
+          </p:nvPr>
+        </p:nvSpPr>
+        <p:spPr/>
+        <p:txBody>
+          <a:bodyPr/>
+          <a:lstStyle/>
+          <a:p>
+            <a:fld id="{EE623193-3B07-41E3-89CD-497FFD80429D}" type="slidenum">
+              <a:rPr lang="en-US" smtClean="0"/>
+              <a:t>17</a:t>
+            </a:fld>
+            <a:endParaRPr lang="en-US"/>
+          </a:p>
+        </p:txBody>
+      </p:sp>
     </p:spTree>
     <p:extLst>
       <p:ext uri="{BB962C8B-B14F-4D97-AF65-F5344CB8AC3E}">
@@ -7204,6 +8079,29 @@
           </a:prstGeom>
         </p:spPr>
       </p:pic>
+      <p:sp>
+        <p:nvSpPr>
+          <p:cNvPr id="3" name="Slide Number Placeholder 2"/>
+          <p:cNvSpPr>
+            <a:spLocks noGrp="1"/>
+          </p:cNvSpPr>
+          <p:nvPr>
+            <p:ph type="sldNum" sz="quarter" idx="12"/>
+          </p:nvPr>
+        </p:nvSpPr>
+        <p:spPr/>
+        <p:txBody>
+          <a:bodyPr/>
+          <a:lstStyle/>
+          <a:p>
+            <a:fld id="{EE623193-3B07-41E3-89CD-497FFD80429D}" type="slidenum">
+              <a:rPr lang="en-US" smtClean="0"/>
+              <a:t>18</a:t>
+            </a:fld>
+            <a:endParaRPr lang="en-US"/>
+          </a:p>
+        </p:txBody>
+      </p:sp>
     </p:spTree>
     <p:extLst>
       <p:ext uri="{BB962C8B-B14F-4D97-AF65-F5344CB8AC3E}">
@@ -7300,6 +8198,29 @@
               <a:t>Don’t rely on others’ code</a:t>
             </a:r>
             <a:endParaRPr lang="en-US" sz="4400"/>
+          </a:p>
+        </p:txBody>
+      </p:sp>
+      <p:sp>
+        <p:nvSpPr>
+          <p:cNvPr id="4" name="Slide Number Placeholder 3"/>
+          <p:cNvSpPr>
+            <a:spLocks noGrp="1"/>
+          </p:cNvSpPr>
+          <p:nvPr>
+            <p:ph type="sldNum" sz="quarter" idx="12"/>
+          </p:nvPr>
+        </p:nvSpPr>
+        <p:spPr/>
+        <p:txBody>
+          <a:bodyPr/>
+          <a:lstStyle/>
+          <a:p>
+            <a:fld id="{EE623193-3B07-41E3-89CD-497FFD80429D}" type="slidenum">
+              <a:rPr lang="en-US" smtClean="0"/>
+              <a:t>19</a:t>
+            </a:fld>
+            <a:endParaRPr lang="en-US"/>
           </a:p>
         </p:txBody>
       </p:sp>
@@ -7529,7 +8450,7 @@
           <a:p>
             <a:r>
               <a:rPr lang="en-US" sz="6600" dirty="0" smtClean="0"/>
-              <a:t>BACKGROUNG</a:t>
+              <a:t>BACKGROUND</a:t>
             </a:r>
             <a:endParaRPr lang="en-US" sz="6600" dirty="0"/>
           </a:p>
@@ -7602,6 +8523,29 @@
             <a:endParaRPr lang="en-US" dirty="0" smtClean="0"/>
           </a:p>
           <a:p>
+            <a:endParaRPr lang="en-US" dirty="0"/>
+          </a:p>
+        </p:txBody>
+      </p:sp>
+      <p:sp>
+        <p:nvSpPr>
+          <p:cNvPr id="4" name="Slide Number Placeholder 3"/>
+          <p:cNvSpPr>
+            <a:spLocks noGrp="1"/>
+          </p:cNvSpPr>
+          <p:nvPr>
+            <p:ph type="sldNum" sz="quarter" idx="12"/>
+          </p:nvPr>
+        </p:nvSpPr>
+        <p:spPr/>
+        <p:txBody>
+          <a:bodyPr/>
+          <a:lstStyle/>
+          <a:p>
+            <a:fld id="{EE623193-3B07-41E3-89CD-497FFD80429D}" type="slidenum">
+              <a:rPr lang="en-US" smtClean="0"/>
+              <a:t>2</a:t>
+            </a:fld>
             <a:endParaRPr lang="en-US" dirty="0"/>
           </a:p>
         </p:txBody>
@@ -7619,7 +8563,612 @@
   <p:timing>
     <p:tnLst>
       <p:par>
-        <p:cTn id="1" dur="indefinite" restart="never" nodeType="tmRoot"/>
+        <p:cTn id="1" dur="indefinite" restart="never" nodeType="tmRoot">
+          <p:childTnLst>
+            <p:seq concurrent="1" nextAc="seek">
+              <p:cTn id="2" dur="indefinite" nodeType="mainSeq">
+                <p:childTnLst>
+                  <p:par>
+                    <p:cTn id="3" fill="hold">
+                      <p:stCondLst>
+                        <p:cond delay="indefinite"/>
+                      </p:stCondLst>
+                      <p:childTnLst>
+                        <p:par>
+                          <p:cTn id="4" fill="hold">
+                            <p:stCondLst>
+                              <p:cond delay="0"/>
+                            </p:stCondLst>
+                            <p:childTnLst>
+                              <p:par>
+                                <p:cTn id="5" presetID="2" presetClass="entr" presetSubtype="4" fill="hold" nodeType="clickEffect">
+                                  <p:stCondLst>
+                                    <p:cond delay="0"/>
+                                  </p:stCondLst>
+                                  <p:childTnLst>
+                                    <p:set>
+                                      <p:cBhvr>
+                                        <p:cTn id="6" dur="1" fill="hold">
+                                          <p:stCondLst>
+                                            <p:cond delay="0"/>
+                                          </p:stCondLst>
+                                        </p:cTn>
+                                        <p:tgtEl>
+                                          <p:spTgt spid="3">
+                                            <p:txEl>
+                                              <p:pRg st="0" end="0"/>
+                                            </p:txEl>
+                                          </p:spTgt>
+                                        </p:tgtEl>
+                                        <p:attrNameLst>
+                                          <p:attrName>style.visibility</p:attrName>
+                                        </p:attrNameLst>
+                                      </p:cBhvr>
+                                      <p:to>
+                                        <p:strVal val="visible"/>
+                                      </p:to>
+                                    </p:set>
+                                    <p:anim calcmode="lin" valueType="num">
+                                      <p:cBhvr additive="base">
+                                        <p:cTn id="7" dur="500" fill="hold"/>
+                                        <p:tgtEl>
+                                          <p:spTgt spid="3">
+                                            <p:txEl>
+                                              <p:pRg st="0" end="0"/>
+                                            </p:txEl>
+                                          </p:spTgt>
+                                        </p:tgtEl>
+                                        <p:attrNameLst>
+                                          <p:attrName>ppt_x</p:attrName>
+                                        </p:attrNameLst>
+                                      </p:cBhvr>
+                                      <p:tavLst>
+                                        <p:tav tm="0">
+                                          <p:val>
+                                            <p:strVal val="#ppt_x"/>
+                                          </p:val>
+                                        </p:tav>
+                                        <p:tav tm="100000">
+                                          <p:val>
+                                            <p:strVal val="#ppt_x"/>
+                                          </p:val>
+                                        </p:tav>
+                                      </p:tavLst>
+                                    </p:anim>
+                                    <p:anim calcmode="lin" valueType="num">
+                                      <p:cBhvr additive="base">
+                                        <p:cTn id="8" dur="500" fill="hold"/>
+                                        <p:tgtEl>
+                                          <p:spTgt spid="3">
+                                            <p:txEl>
+                                              <p:pRg st="0" end="0"/>
+                                            </p:txEl>
+                                          </p:spTgt>
+                                        </p:tgtEl>
+                                        <p:attrNameLst>
+                                          <p:attrName>ppt_y</p:attrName>
+                                        </p:attrNameLst>
+                                      </p:cBhvr>
+                                      <p:tavLst>
+                                        <p:tav tm="0">
+                                          <p:val>
+                                            <p:strVal val="1+#ppt_h/2"/>
+                                          </p:val>
+                                        </p:tav>
+                                        <p:tav tm="100000">
+                                          <p:val>
+                                            <p:strVal val="#ppt_y"/>
+                                          </p:val>
+                                        </p:tav>
+                                      </p:tavLst>
+                                    </p:anim>
+                                  </p:childTnLst>
+                                </p:cTn>
+                              </p:par>
+                            </p:childTnLst>
+                          </p:cTn>
+                        </p:par>
+                      </p:childTnLst>
+                    </p:cTn>
+                  </p:par>
+                  <p:par>
+                    <p:cTn id="9" fill="hold">
+                      <p:stCondLst>
+                        <p:cond delay="indefinite"/>
+                      </p:stCondLst>
+                      <p:childTnLst>
+                        <p:par>
+                          <p:cTn id="10" fill="hold">
+                            <p:stCondLst>
+                              <p:cond delay="0"/>
+                            </p:stCondLst>
+                            <p:childTnLst>
+                              <p:par>
+                                <p:cTn id="11" presetID="2" presetClass="entr" presetSubtype="4" fill="hold" nodeType="clickEffect">
+                                  <p:stCondLst>
+                                    <p:cond delay="0"/>
+                                  </p:stCondLst>
+                                  <p:childTnLst>
+                                    <p:set>
+                                      <p:cBhvr>
+                                        <p:cTn id="12" dur="1" fill="hold">
+                                          <p:stCondLst>
+                                            <p:cond delay="0"/>
+                                          </p:stCondLst>
+                                        </p:cTn>
+                                        <p:tgtEl>
+                                          <p:spTgt spid="3">
+                                            <p:txEl>
+                                              <p:pRg st="1" end="1"/>
+                                            </p:txEl>
+                                          </p:spTgt>
+                                        </p:tgtEl>
+                                        <p:attrNameLst>
+                                          <p:attrName>style.visibility</p:attrName>
+                                        </p:attrNameLst>
+                                      </p:cBhvr>
+                                      <p:to>
+                                        <p:strVal val="visible"/>
+                                      </p:to>
+                                    </p:set>
+                                    <p:anim calcmode="lin" valueType="num">
+                                      <p:cBhvr additive="base">
+                                        <p:cTn id="13" dur="500" fill="hold"/>
+                                        <p:tgtEl>
+                                          <p:spTgt spid="3">
+                                            <p:txEl>
+                                              <p:pRg st="1" end="1"/>
+                                            </p:txEl>
+                                          </p:spTgt>
+                                        </p:tgtEl>
+                                        <p:attrNameLst>
+                                          <p:attrName>ppt_x</p:attrName>
+                                        </p:attrNameLst>
+                                      </p:cBhvr>
+                                      <p:tavLst>
+                                        <p:tav tm="0">
+                                          <p:val>
+                                            <p:strVal val="#ppt_x"/>
+                                          </p:val>
+                                        </p:tav>
+                                        <p:tav tm="100000">
+                                          <p:val>
+                                            <p:strVal val="#ppt_x"/>
+                                          </p:val>
+                                        </p:tav>
+                                      </p:tavLst>
+                                    </p:anim>
+                                    <p:anim calcmode="lin" valueType="num">
+                                      <p:cBhvr additive="base">
+                                        <p:cTn id="14" dur="500" fill="hold"/>
+                                        <p:tgtEl>
+                                          <p:spTgt spid="3">
+                                            <p:txEl>
+                                              <p:pRg st="1" end="1"/>
+                                            </p:txEl>
+                                          </p:spTgt>
+                                        </p:tgtEl>
+                                        <p:attrNameLst>
+                                          <p:attrName>ppt_y</p:attrName>
+                                        </p:attrNameLst>
+                                      </p:cBhvr>
+                                      <p:tavLst>
+                                        <p:tav tm="0">
+                                          <p:val>
+                                            <p:strVal val="1+#ppt_h/2"/>
+                                          </p:val>
+                                        </p:tav>
+                                        <p:tav tm="100000">
+                                          <p:val>
+                                            <p:strVal val="#ppt_y"/>
+                                          </p:val>
+                                        </p:tav>
+                                      </p:tavLst>
+                                    </p:anim>
+                                  </p:childTnLst>
+                                </p:cTn>
+                              </p:par>
+                            </p:childTnLst>
+                          </p:cTn>
+                        </p:par>
+                      </p:childTnLst>
+                    </p:cTn>
+                  </p:par>
+                  <p:par>
+                    <p:cTn id="15" fill="hold">
+                      <p:stCondLst>
+                        <p:cond delay="indefinite"/>
+                      </p:stCondLst>
+                      <p:childTnLst>
+                        <p:par>
+                          <p:cTn id="16" fill="hold">
+                            <p:stCondLst>
+                              <p:cond delay="0"/>
+                            </p:stCondLst>
+                            <p:childTnLst>
+                              <p:par>
+                                <p:cTn id="17" presetID="2" presetClass="entr" presetSubtype="4" fill="hold" nodeType="clickEffect">
+                                  <p:stCondLst>
+                                    <p:cond delay="0"/>
+                                  </p:stCondLst>
+                                  <p:childTnLst>
+                                    <p:set>
+                                      <p:cBhvr>
+                                        <p:cTn id="18" dur="1" fill="hold">
+                                          <p:stCondLst>
+                                            <p:cond delay="0"/>
+                                          </p:stCondLst>
+                                        </p:cTn>
+                                        <p:tgtEl>
+                                          <p:spTgt spid="3">
+                                            <p:txEl>
+                                              <p:pRg st="2" end="2"/>
+                                            </p:txEl>
+                                          </p:spTgt>
+                                        </p:tgtEl>
+                                        <p:attrNameLst>
+                                          <p:attrName>style.visibility</p:attrName>
+                                        </p:attrNameLst>
+                                      </p:cBhvr>
+                                      <p:to>
+                                        <p:strVal val="visible"/>
+                                      </p:to>
+                                    </p:set>
+                                    <p:anim calcmode="lin" valueType="num">
+                                      <p:cBhvr additive="base">
+                                        <p:cTn id="19" dur="500" fill="hold"/>
+                                        <p:tgtEl>
+                                          <p:spTgt spid="3">
+                                            <p:txEl>
+                                              <p:pRg st="2" end="2"/>
+                                            </p:txEl>
+                                          </p:spTgt>
+                                        </p:tgtEl>
+                                        <p:attrNameLst>
+                                          <p:attrName>ppt_x</p:attrName>
+                                        </p:attrNameLst>
+                                      </p:cBhvr>
+                                      <p:tavLst>
+                                        <p:tav tm="0">
+                                          <p:val>
+                                            <p:strVal val="#ppt_x"/>
+                                          </p:val>
+                                        </p:tav>
+                                        <p:tav tm="100000">
+                                          <p:val>
+                                            <p:strVal val="#ppt_x"/>
+                                          </p:val>
+                                        </p:tav>
+                                      </p:tavLst>
+                                    </p:anim>
+                                    <p:anim calcmode="lin" valueType="num">
+                                      <p:cBhvr additive="base">
+                                        <p:cTn id="20" dur="500" fill="hold"/>
+                                        <p:tgtEl>
+                                          <p:spTgt spid="3">
+                                            <p:txEl>
+                                              <p:pRg st="2" end="2"/>
+                                            </p:txEl>
+                                          </p:spTgt>
+                                        </p:tgtEl>
+                                        <p:attrNameLst>
+                                          <p:attrName>ppt_y</p:attrName>
+                                        </p:attrNameLst>
+                                      </p:cBhvr>
+                                      <p:tavLst>
+                                        <p:tav tm="0">
+                                          <p:val>
+                                            <p:strVal val="1+#ppt_h/2"/>
+                                          </p:val>
+                                        </p:tav>
+                                        <p:tav tm="100000">
+                                          <p:val>
+                                            <p:strVal val="#ppt_y"/>
+                                          </p:val>
+                                        </p:tav>
+                                      </p:tavLst>
+                                    </p:anim>
+                                  </p:childTnLst>
+                                </p:cTn>
+                              </p:par>
+                            </p:childTnLst>
+                          </p:cTn>
+                        </p:par>
+                      </p:childTnLst>
+                    </p:cTn>
+                  </p:par>
+                  <p:par>
+                    <p:cTn id="21" fill="hold">
+                      <p:stCondLst>
+                        <p:cond delay="indefinite"/>
+                      </p:stCondLst>
+                      <p:childTnLst>
+                        <p:par>
+                          <p:cTn id="22" fill="hold">
+                            <p:stCondLst>
+                              <p:cond delay="0"/>
+                            </p:stCondLst>
+                            <p:childTnLst>
+                              <p:par>
+                                <p:cTn id="23" presetID="2" presetClass="entr" presetSubtype="4" fill="hold" nodeType="clickEffect">
+                                  <p:stCondLst>
+                                    <p:cond delay="0"/>
+                                  </p:stCondLst>
+                                  <p:childTnLst>
+                                    <p:set>
+                                      <p:cBhvr>
+                                        <p:cTn id="24" dur="1" fill="hold">
+                                          <p:stCondLst>
+                                            <p:cond delay="0"/>
+                                          </p:stCondLst>
+                                        </p:cTn>
+                                        <p:tgtEl>
+                                          <p:spTgt spid="3">
+                                            <p:txEl>
+                                              <p:pRg st="3" end="3"/>
+                                            </p:txEl>
+                                          </p:spTgt>
+                                        </p:tgtEl>
+                                        <p:attrNameLst>
+                                          <p:attrName>style.visibility</p:attrName>
+                                        </p:attrNameLst>
+                                      </p:cBhvr>
+                                      <p:to>
+                                        <p:strVal val="visible"/>
+                                      </p:to>
+                                    </p:set>
+                                    <p:anim calcmode="lin" valueType="num">
+                                      <p:cBhvr additive="base">
+                                        <p:cTn id="25" dur="500" fill="hold"/>
+                                        <p:tgtEl>
+                                          <p:spTgt spid="3">
+                                            <p:txEl>
+                                              <p:pRg st="3" end="3"/>
+                                            </p:txEl>
+                                          </p:spTgt>
+                                        </p:tgtEl>
+                                        <p:attrNameLst>
+                                          <p:attrName>ppt_x</p:attrName>
+                                        </p:attrNameLst>
+                                      </p:cBhvr>
+                                      <p:tavLst>
+                                        <p:tav tm="0">
+                                          <p:val>
+                                            <p:strVal val="#ppt_x"/>
+                                          </p:val>
+                                        </p:tav>
+                                        <p:tav tm="100000">
+                                          <p:val>
+                                            <p:strVal val="#ppt_x"/>
+                                          </p:val>
+                                        </p:tav>
+                                      </p:tavLst>
+                                    </p:anim>
+                                    <p:anim calcmode="lin" valueType="num">
+                                      <p:cBhvr additive="base">
+                                        <p:cTn id="26" dur="500" fill="hold"/>
+                                        <p:tgtEl>
+                                          <p:spTgt spid="3">
+                                            <p:txEl>
+                                              <p:pRg st="3" end="3"/>
+                                            </p:txEl>
+                                          </p:spTgt>
+                                        </p:tgtEl>
+                                        <p:attrNameLst>
+                                          <p:attrName>ppt_y</p:attrName>
+                                        </p:attrNameLst>
+                                      </p:cBhvr>
+                                      <p:tavLst>
+                                        <p:tav tm="0">
+                                          <p:val>
+                                            <p:strVal val="1+#ppt_h/2"/>
+                                          </p:val>
+                                        </p:tav>
+                                        <p:tav tm="100000">
+                                          <p:val>
+                                            <p:strVal val="#ppt_y"/>
+                                          </p:val>
+                                        </p:tav>
+                                      </p:tavLst>
+                                    </p:anim>
+                                  </p:childTnLst>
+                                </p:cTn>
+                              </p:par>
+                              <p:par>
+                                <p:cTn id="27" presetID="2" presetClass="entr" presetSubtype="4" fill="hold" nodeType="withEffect">
+                                  <p:stCondLst>
+                                    <p:cond delay="0"/>
+                                  </p:stCondLst>
+                                  <p:childTnLst>
+                                    <p:set>
+                                      <p:cBhvr>
+                                        <p:cTn id="28" dur="1" fill="hold">
+                                          <p:stCondLst>
+                                            <p:cond delay="0"/>
+                                          </p:stCondLst>
+                                        </p:cTn>
+                                        <p:tgtEl>
+                                          <p:spTgt spid="3">
+                                            <p:txEl>
+                                              <p:pRg st="4" end="4"/>
+                                            </p:txEl>
+                                          </p:spTgt>
+                                        </p:tgtEl>
+                                        <p:attrNameLst>
+                                          <p:attrName>style.visibility</p:attrName>
+                                        </p:attrNameLst>
+                                      </p:cBhvr>
+                                      <p:to>
+                                        <p:strVal val="visible"/>
+                                      </p:to>
+                                    </p:set>
+                                    <p:anim calcmode="lin" valueType="num">
+                                      <p:cBhvr additive="base">
+                                        <p:cTn id="29" dur="500" fill="hold"/>
+                                        <p:tgtEl>
+                                          <p:spTgt spid="3">
+                                            <p:txEl>
+                                              <p:pRg st="4" end="4"/>
+                                            </p:txEl>
+                                          </p:spTgt>
+                                        </p:tgtEl>
+                                        <p:attrNameLst>
+                                          <p:attrName>ppt_x</p:attrName>
+                                        </p:attrNameLst>
+                                      </p:cBhvr>
+                                      <p:tavLst>
+                                        <p:tav tm="0">
+                                          <p:val>
+                                            <p:strVal val="#ppt_x"/>
+                                          </p:val>
+                                        </p:tav>
+                                        <p:tav tm="100000">
+                                          <p:val>
+                                            <p:strVal val="#ppt_x"/>
+                                          </p:val>
+                                        </p:tav>
+                                      </p:tavLst>
+                                    </p:anim>
+                                    <p:anim calcmode="lin" valueType="num">
+                                      <p:cBhvr additive="base">
+                                        <p:cTn id="30" dur="500" fill="hold"/>
+                                        <p:tgtEl>
+                                          <p:spTgt spid="3">
+                                            <p:txEl>
+                                              <p:pRg st="4" end="4"/>
+                                            </p:txEl>
+                                          </p:spTgt>
+                                        </p:tgtEl>
+                                        <p:attrNameLst>
+                                          <p:attrName>ppt_y</p:attrName>
+                                        </p:attrNameLst>
+                                      </p:cBhvr>
+                                      <p:tavLst>
+                                        <p:tav tm="0">
+                                          <p:val>
+                                            <p:strVal val="1+#ppt_h/2"/>
+                                          </p:val>
+                                        </p:tav>
+                                        <p:tav tm="100000">
+                                          <p:val>
+                                            <p:strVal val="#ppt_y"/>
+                                          </p:val>
+                                        </p:tav>
+                                      </p:tavLst>
+                                    </p:anim>
+                                  </p:childTnLst>
+                                </p:cTn>
+                              </p:par>
+                              <p:par>
+                                <p:cTn id="31" presetID="2" presetClass="entr" presetSubtype="4" fill="hold" nodeType="withEffect">
+                                  <p:stCondLst>
+                                    <p:cond delay="0"/>
+                                  </p:stCondLst>
+                                  <p:childTnLst>
+                                    <p:set>
+                                      <p:cBhvr>
+                                        <p:cTn id="32" dur="1" fill="hold">
+                                          <p:stCondLst>
+                                            <p:cond delay="0"/>
+                                          </p:stCondLst>
+                                        </p:cTn>
+                                        <p:tgtEl>
+                                          <p:spTgt spid="3">
+                                            <p:txEl>
+                                              <p:pRg st="5" end="5"/>
+                                            </p:txEl>
+                                          </p:spTgt>
+                                        </p:tgtEl>
+                                        <p:attrNameLst>
+                                          <p:attrName>style.visibility</p:attrName>
+                                        </p:attrNameLst>
+                                      </p:cBhvr>
+                                      <p:to>
+                                        <p:strVal val="visible"/>
+                                      </p:to>
+                                    </p:set>
+                                    <p:anim calcmode="lin" valueType="num">
+                                      <p:cBhvr additive="base">
+                                        <p:cTn id="33" dur="500" fill="hold"/>
+                                        <p:tgtEl>
+                                          <p:spTgt spid="3">
+                                            <p:txEl>
+                                              <p:pRg st="5" end="5"/>
+                                            </p:txEl>
+                                          </p:spTgt>
+                                        </p:tgtEl>
+                                        <p:attrNameLst>
+                                          <p:attrName>ppt_x</p:attrName>
+                                        </p:attrNameLst>
+                                      </p:cBhvr>
+                                      <p:tavLst>
+                                        <p:tav tm="0">
+                                          <p:val>
+                                            <p:strVal val="#ppt_x"/>
+                                          </p:val>
+                                        </p:tav>
+                                        <p:tav tm="100000">
+                                          <p:val>
+                                            <p:strVal val="#ppt_x"/>
+                                          </p:val>
+                                        </p:tav>
+                                      </p:tavLst>
+                                    </p:anim>
+                                    <p:anim calcmode="lin" valueType="num">
+                                      <p:cBhvr additive="base">
+                                        <p:cTn id="34" dur="500" fill="hold"/>
+                                        <p:tgtEl>
+                                          <p:spTgt spid="3">
+                                            <p:txEl>
+                                              <p:pRg st="5" end="5"/>
+                                            </p:txEl>
+                                          </p:spTgt>
+                                        </p:tgtEl>
+                                        <p:attrNameLst>
+                                          <p:attrName>ppt_y</p:attrName>
+                                        </p:attrNameLst>
+                                      </p:cBhvr>
+                                      <p:tavLst>
+                                        <p:tav tm="0">
+                                          <p:val>
+                                            <p:strVal val="1+#ppt_h/2"/>
+                                          </p:val>
+                                        </p:tav>
+                                        <p:tav tm="100000">
+                                          <p:val>
+                                            <p:strVal val="#ppt_y"/>
+                                          </p:val>
+                                        </p:tav>
+                                      </p:tavLst>
+                                    </p:anim>
+                                  </p:childTnLst>
+                                </p:cTn>
+                              </p:par>
+                            </p:childTnLst>
+                          </p:cTn>
+                        </p:par>
+                      </p:childTnLst>
+                    </p:cTn>
+                  </p:par>
+                </p:childTnLst>
+              </p:cTn>
+              <p:prevCondLst>
+                <p:cond evt="onPrev" delay="0">
+                  <p:tgtEl>
+                    <p:sldTgt/>
+                  </p:tgtEl>
+                </p:cond>
+              </p:prevCondLst>
+              <p:nextCondLst>
+                <p:cond evt="onNext" delay="0">
+                  <p:tgtEl>
+                    <p:sldTgt/>
+                  </p:tgtEl>
+                </p:cond>
+              </p:nextCondLst>
+            </p:seq>
+          </p:childTnLst>
+        </p:cTn>
       </p:par>
     </p:tnLst>
   </p:timing>
@@ -7809,6 +9358,29 @@
           </a:prstGeom>
         </p:spPr>
       </p:pic>
+      <p:sp>
+        <p:nvSpPr>
+          <p:cNvPr id="7" name="Slide Number Placeholder 6"/>
+          <p:cNvSpPr>
+            <a:spLocks noGrp="1"/>
+          </p:cNvSpPr>
+          <p:nvPr>
+            <p:ph type="sldNum" sz="quarter" idx="12"/>
+          </p:nvPr>
+        </p:nvSpPr>
+        <p:spPr/>
+        <p:txBody>
+          <a:bodyPr/>
+          <a:lstStyle/>
+          <a:p>
+            <a:fld id="{EE623193-3B07-41E3-89CD-497FFD80429D}" type="slidenum">
+              <a:rPr lang="en-US" smtClean="0"/>
+              <a:t>20</a:t>
+            </a:fld>
+            <a:endParaRPr lang="en-US"/>
+          </a:p>
+        </p:txBody>
+      </p:sp>
     </p:spTree>
     <p:extLst>
       <p:ext uri="{BB962C8B-B14F-4D97-AF65-F5344CB8AC3E}">
@@ -8146,6 +9718,29 @@
           </a:p>
         </p:txBody>
       </p:sp>
+      <p:sp>
+        <p:nvSpPr>
+          <p:cNvPr id="3" name="Slide Number Placeholder 2"/>
+          <p:cNvSpPr>
+            <a:spLocks noGrp="1"/>
+          </p:cNvSpPr>
+          <p:nvPr>
+            <p:ph type="sldNum" sz="quarter" idx="12"/>
+          </p:nvPr>
+        </p:nvSpPr>
+        <p:spPr/>
+        <p:txBody>
+          <a:bodyPr/>
+          <a:lstStyle/>
+          <a:p>
+            <a:fld id="{EE623193-3B07-41E3-89CD-497FFD80429D}" type="slidenum">
+              <a:rPr lang="en-US" smtClean="0"/>
+              <a:t>21</a:t>
+            </a:fld>
+            <a:endParaRPr lang="en-US"/>
+          </a:p>
+        </p:txBody>
+      </p:sp>
     </p:spTree>
     <p:extLst>
       <p:ext uri="{BB962C8B-B14F-4D97-AF65-F5344CB8AC3E}">
@@ -8213,6 +9808,29 @@
           </a:prstGeom>
         </p:spPr>
       </p:pic>
+      <p:sp>
+        <p:nvSpPr>
+          <p:cNvPr id="2" name="Slide Number Placeholder 1"/>
+          <p:cNvSpPr>
+            <a:spLocks noGrp="1"/>
+          </p:cNvSpPr>
+          <p:nvPr>
+            <p:ph type="sldNum" sz="quarter" idx="12"/>
+          </p:nvPr>
+        </p:nvSpPr>
+        <p:spPr/>
+        <p:txBody>
+          <a:bodyPr/>
+          <a:lstStyle/>
+          <a:p>
+            <a:fld id="{EE623193-3B07-41E3-89CD-497FFD80429D}" type="slidenum">
+              <a:rPr lang="en-US" smtClean="0"/>
+              <a:t>22</a:t>
+            </a:fld>
+            <a:endParaRPr lang="en-US"/>
+          </a:p>
+        </p:txBody>
+      </p:sp>
     </p:spTree>
     <p:extLst>
       <p:ext uri="{BB962C8B-B14F-4D97-AF65-F5344CB8AC3E}">
@@ -8296,6 +9914,29 @@
               <a:rPr lang="en-US" sz="2300"/>
               <a:t>http://usability.b7jl.org/?prototype=12&amp;element=box_calendar_hours</a:t>
             </a:r>
+          </a:p>
+        </p:txBody>
+      </p:sp>
+      <p:sp>
+        <p:nvSpPr>
+          <p:cNvPr id="2" name="Slide Number Placeholder 1"/>
+          <p:cNvSpPr>
+            <a:spLocks noGrp="1"/>
+          </p:cNvSpPr>
+          <p:nvPr>
+            <p:ph type="sldNum" sz="quarter" idx="12"/>
+          </p:nvPr>
+        </p:nvSpPr>
+        <p:spPr/>
+        <p:txBody>
+          <a:bodyPr/>
+          <a:lstStyle/>
+          <a:p>
+            <a:fld id="{EE623193-3B07-41E3-89CD-497FFD80429D}" type="slidenum">
+              <a:rPr lang="en-US" smtClean="0"/>
+              <a:t>23</a:t>
+            </a:fld>
+            <a:endParaRPr lang="en-US"/>
           </a:p>
         </p:txBody>
       </p:sp>
@@ -8366,6 +10007,29 @@
           </a:prstGeom>
         </p:spPr>
       </p:pic>
+      <p:sp>
+        <p:nvSpPr>
+          <p:cNvPr id="3" name="Slide Number Placeholder 2"/>
+          <p:cNvSpPr>
+            <a:spLocks noGrp="1"/>
+          </p:cNvSpPr>
+          <p:nvPr>
+            <p:ph type="sldNum" sz="quarter" idx="12"/>
+          </p:nvPr>
+        </p:nvSpPr>
+        <p:spPr/>
+        <p:txBody>
+          <a:bodyPr/>
+          <a:lstStyle/>
+          <a:p>
+            <a:fld id="{EE623193-3B07-41E3-89CD-497FFD80429D}" type="slidenum">
+              <a:rPr lang="en-US" smtClean="0"/>
+              <a:t>24</a:t>
+            </a:fld>
+            <a:endParaRPr lang="en-US"/>
+          </a:p>
+        </p:txBody>
+      </p:sp>
     </p:spTree>
     <p:extLst>
       <p:ext uri="{BB962C8B-B14F-4D97-AF65-F5344CB8AC3E}">
@@ -8580,6 +10244,29 @@
           </a:p>
         </p:txBody>
       </p:sp>
+      <p:sp>
+        <p:nvSpPr>
+          <p:cNvPr id="5" name="Slide Number Placeholder 4"/>
+          <p:cNvSpPr>
+            <a:spLocks noGrp="1"/>
+          </p:cNvSpPr>
+          <p:nvPr>
+            <p:ph type="sldNum" sz="quarter" idx="12"/>
+          </p:nvPr>
+        </p:nvSpPr>
+        <p:spPr/>
+        <p:txBody>
+          <a:bodyPr/>
+          <a:lstStyle/>
+          <a:p>
+            <a:fld id="{EE623193-3B07-41E3-89CD-497FFD80429D}" type="slidenum">
+              <a:rPr lang="en-US" smtClean="0"/>
+              <a:t>25</a:t>
+            </a:fld>
+            <a:endParaRPr lang="en-US"/>
+          </a:p>
+        </p:txBody>
+      </p:sp>
     </p:spTree>
     <p:extLst>
       <p:ext uri="{BB962C8B-B14F-4D97-AF65-F5344CB8AC3E}">
@@ -8653,6 +10340,29 @@
           </a:p>
         </p:txBody>
       </p:sp>
+      <p:sp>
+        <p:nvSpPr>
+          <p:cNvPr id="3" name="Slide Number Placeholder 2"/>
+          <p:cNvSpPr>
+            <a:spLocks noGrp="1"/>
+          </p:cNvSpPr>
+          <p:nvPr>
+            <p:ph type="sldNum" sz="quarter" idx="12"/>
+          </p:nvPr>
+        </p:nvSpPr>
+        <p:spPr/>
+        <p:txBody>
+          <a:bodyPr/>
+          <a:lstStyle/>
+          <a:p>
+            <a:fld id="{EE623193-3B07-41E3-89CD-497FFD80429D}" type="slidenum">
+              <a:rPr lang="en-US" smtClean="0"/>
+              <a:t>26</a:t>
+            </a:fld>
+            <a:endParaRPr lang="en-US"/>
+          </a:p>
+        </p:txBody>
+      </p:sp>
     </p:spTree>
     <p:extLst>
       <p:ext uri="{BB962C8B-B14F-4D97-AF65-F5344CB8AC3E}">
@@ -8743,15 +10453,7 @@
           <a:p>
             <a:r>
               <a:rPr lang="en-US" sz="3200" dirty="0" smtClean="0"/>
-              <a:t>Trouble finding tools </a:t>
-            </a:r>
-            <a:r>
-              <a:rPr lang="en-US" sz="3200" smtClean="0"/>
-              <a:t>for UX that </a:t>
-            </a:r>
-            <a:r>
-              <a:rPr lang="en-US" sz="3200" dirty="0" smtClean="0"/>
-              <a:t>meet our needs</a:t>
+              <a:t>Trouble finding tools for UX that meet our needs</a:t>
             </a:r>
           </a:p>
           <a:p>
@@ -8768,6 +10470,29 @@
           </a:p>
           <a:p>
             <a:endParaRPr lang="en-US" dirty="0"/>
+          </a:p>
+        </p:txBody>
+      </p:sp>
+      <p:sp>
+        <p:nvSpPr>
+          <p:cNvPr id="4" name="Slide Number Placeholder 3"/>
+          <p:cNvSpPr>
+            <a:spLocks noGrp="1"/>
+          </p:cNvSpPr>
+          <p:nvPr>
+            <p:ph type="sldNum" sz="quarter" idx="12"/>
+          </p:nvPr>
+        </p:nvSpPr>
+        <p:spPr/>
+        <p:txBody>
+          <a:bodyPr/>
+          <a:lstStyle/>
+          <a:p>
+            <a:fld id="{EE623193-3B07-41E3-89CD-497FFD80429D}" type="slidenum">
+              <a:rPr lang="en-US" smtClean="0"/>
+              <a:t>27</a:t>
+            </a:fld>
+            <a:endParaRPr lang="en-US"/>
           </a:p>
         </p:txBody>
       </p:sp>
@@ -8784,7 +10509,442 @@
   <p:timing>
     <p:tnLst>
       <p:par>
-        <p:cTn id="1" dur="indefinite" restart="never" nodeType="tmRoot"/>
+        <p:cTn id="1" dur="indefinite" restart="never" nodeType="tmRoot">
+          <p:childTnLst>
+            <p:seq concurrent="1" nextAc="seek">
+              <p:cTn id="2" dur="indefinite" nodeType="mainSeq">
+                <p:childTnLst>
+                  <p:par>
+                    <p:cTn id="3" fill="hold">
+                      <p:stCondLst>
+                        <p:cond delay="indefinite"/>
+                      </p:stCondLst>
+                      <p:childTnLst>
+                        <p:par>
+                          <p:cTn id="4" fill="hold">
+                            <p:stCondLst>
+                              <p:cond delay="0"/>
+                            </p:stCondLst>
+                            <p:childTnLst>
+                              <p:par>
+                                <p:cTn id="5" presetID="2" presetClass="entr" presetSubtype="4" fill="hold" nodeType="clickEffect">
+                                  <p:stCondLst>
+                                    <p:cond delay="0"/>
+                                  </p:stCondLst>
+                                  <p:childTnLst>
+                                    <p:set>
+                                      <p:cBhvr>
+                                        <p:cTn id="6" dur="1" fill="hold">
+                                          <p:stCondLst>
+                                            <p:cond delay="0"/>
+                                          </p:stCondLst>
+                                        </p:cTn>
+                                        <p:tgtEl>
+                                          <p:spTgt spid="3">
+                                            <p:txEl>
+                                              <p:pRg st="0" end="0"/>
+                                            </p:txEl>
+                                          </p:spTgt>
+                                        </p:tgtEl>
+                                        <p:attrNameLst>
+                                          <p:attrName>style.visibility</p:attrName>
+                                        </p:attrNameLst>
+                                      </p:cBhvr>
+                                      <p:to>
+                                        <p:strVal val="visible"/>
+                                      </p:to>
+                                    </p:set>
+                                    <p:anim calcmode="lin" valueType="num">
+                                      <p:cBhvr additive="base">
+                                        <p:cTn id="7" dur="500" fill="hold"/>
+                                        <p:tgtEl>
+                                          <p:spTgt spid="3">
+                                            <p:txEl>
+                                              <p:pRg st="0" end="0"/>
+                                            </p:txEl>
+                                          </p:spTgt>
+                                        </p:tgtEl>
+                                        <p:attrNameLst>
+                                          <p:attrName>ppt_x</p:attrName>
+                                        </p:attrNameLst>
+                                      </p:cBhvr>
+                                      <p:tavLst>
+                                        <p:tav tm="0">
+                                          <p:val>
+                                            <p:strVal val="#ppt_x"/>
+                                          </p:val>
+                                        </p:tav>
+                                        <p:tav tm="100000">
+                                          <p:val>
+                                            <p:strVal val="#ppt_x"/>
+                                          </p:val>
+                                        </p:tav>
+                                      </p:tavLst>
+                                    </p:anim>
+                                    <p:anim calcmode="lin" valueType="num">
+                                      <p:cBhvr additive="base">
+                                        <p:cTn id="8" dur="500" fill="hold"/>
+                                        <p:tgtEl>
+                                          <p:spTgt spid="3">
+                                            <p:txEl>
+                                              <p:pRg st="0" end="0"/>
+                                            </p:txEl>
+                                          </p:spTgt>
+                                        </p:tgtEl>
+                                        <p:attrNameLst>
+                                          <p:attrName>ppt_y</p:attrName>
+                                        </p:attrNameLst>
+                                      </p:cBhvr>
+                                      <p:tavLst>
+                                        <p:tav tm="0">
+                                          <p:val>
+                                            <p:strVal val="1+#ppt_h/2"/>
+                                          </p:val>
+                                        </p:tav>
+                                        <p:tav tm="100000">
+                                          <p:val>
+                                            <p:strVal val="#ppt_y"/>
+                                          </p:val>
+                                        </p:tav>
+                                      </p:tavLst>
+                                    </p:anim>
+                                  </p:childTnLst>
+                                </p:cTn>
+                              </p:par>
+                            </p:childTnLst>
+                          </p:cTn>
+                        </p:par>
+                      </p:childTnLst>
+                    </p:cTn>
+                  </p:par>
+                  <p:par>
+                    <p:cTn id="9" fill="hold">
+                      <p:stCondLst>
+                        <p:cond delay="indefinite"/>
+                      </p:stCondLst>
+                      <p:childTnLst>
+                        <p:par>
+                          <p:cTn id="10" fill="hold">
+                            <p:stCondLst>
+                              <p:cond delay="0"/>
+                            </p:stCondLst>
+                            <p:childTnLst>
+                              <p:par>
+                                <p:cTn id="11" presetID="2" presetClass="entr" presetSubtype="4" fill="hold" nodeType="clickEffect">
+                                  <p:stCondLst>
+                                    <p:cond delay="0"/>
+                                  </p:stCondLst>
+                                  <p:childTnLst>
+                                    <p:set>
+                                      <p:cBhvr>
+                                        <p:cTn id="12" dur="1" fill="hold">
+                                          <p:stCondLst>
+                                            <p:cond delay="0"/>
+                                          </p:stCondLst>
+                                        </p:cTn>
+                                        <p:tgtEl>
+                                          <p:spTgt spid="3">
+                                            <p:txEl>
+                                              <p:pRg st="1" end="1"/>
+                                            </p:txEl>
+                                          </p:spTgt>
+                                        </p:tgtEl>
+                                        <p:attrNameLst>
+                                          <p:attrName>style.visibility</p:attrName>
+                                        </p:attrNameLst>
+                                      </p:cBhvr>
+                                      <p:to>
+                                        <p:strVal val="visible"/>
+                                      </p:to>
+                                    </p:set>
+                                    <p:anim calcmode="lin" valueType="num">
+                                      <p:cBhvr additive="base">
+                                        <p:cTn id="13" dur="500" fill="hold"/>
+                                        <p:tgtEl>
+                                          <p:spTgt spid="3">
+                                            <p:txEl>
+                                              <p:pRg st="1" end="1"/>
+                                            </p:txEl>
+                                          </p:spTgt>
+                                        </p:tgtEl>
+                                        <p:attrNameLst>
+                                          <p:attrName>ppt_x</p:attrName>
+                                        </p:attrNameLst>
+                                      </p:cBhvr>
+                                      <p:tavLst>
+                                        <p:tav tm="0">
+                                          <p:val>
+                                            <p:strVal val="#ppt_x"/>
+                                          </p:val>
+                                        </p:tav>
+                                        <p:tav tm="100000">
+                                          <p:val>
+                                            <p:strVal val="#ppt_x"/>
+                                          </p:val>
+                                        </p:tav>
+                                      </p:tavLst>
+                                    </p:anim>
+                                    <p:anim calcmode="lin" valueType="num">
+                                      <p:cBhvr additive="base">
+                                        <p:cTn id="14" dur="500" fill="hold"/>
+                                        <p:tgtEl>
+                                          <p:spTgt spid="3">
+                                            <p:txEl>
+                                              <p:pRg st="1" end="1"/>
+                                            </p:txEl>
+                                          </p:spTgt>
+                                        </p:tgtEl>
+                                        <p:attrNameLst>
+                                          <p:attrName>ppt_y</p:attrName>
+                                        </p:attrNameLst>
+                                      </p:cBhvr>
+                                      <p:tavLst>
+                                        <p:tav tm="0">
+                                          <p:val>
+                                            <p:strVal val="1+#ppt_h/2"/>
+                                          </p:val>
+                                        </p:tav>
+                                        <p:tav tm="100000">
+                                          <p:val>
+                                            <p:strVal val="#ppt_y"/>
+                                          </p:val>
+                                        </p:tav>
+                                      </p:tavLst>
+                                    </p:anim>
+                                  </p:childTnLst>
+                                </p:cTn>
+                              </p:par>
+                            </p:childTnLst>
+                          </p:cTn>
+                        </p:par>
+                      </p:childTnLst>
+                    </p:cTn>
+                  </p:par>
+                  <p:par>
+                    <p:cTn id="15" fill="hold">
+                      <p:stCondLst>
+                        <p:cond delay="indefinite"/>
+                      </p:stCondLst>
+                      <p:childTnLst>
+                        <p:par>
+                          <p:cTn id="16" fill="hold">
+                            <p:stCondLst>
+                              <p:cond delay="0"/>
+                            </p:stCondLst>
+                            <p:childTnLst>
+                              <p:par>
+                                <p:cTn id="17" presetID="2" presetClass="entr" presetSubtype="4" fill="hold" nodeType="clickEffect">
+                                  <p:stCondLst>
+                                    <p:cond delay="0"/>
+                                  </p:stCondLst>
+                                  <p:childTnLst>
+                                    <p:set>
+                                      <p:cBhvr>
+                                        <p:cTn id="18" dur="1" fill="hold">
+                                          <p:stCondLst>
+                                            <p:cond delay="0"/>
+                                          </p:stCondLst>
+                                        </p:cTn>
+                                        <p:tgtEl>
+                                          <p:spTgt spid="3">
+                                            <p:txEl>
+                                              <p:pRg st="2" end="2"/>
+                                            </p:txEl>
+                                          </p:spTgt>
+                                        </p:tgtEl>
+                                        <p:attrNameLst>
+                                          <p:attrName>style.visibility</p:attrName>
+                                        </p:attrNameLst>
+                                      </p:cBhvr>
+                                      <p:to>
+                                        <p:strVal val="visible"/>
+                                      </p:to>
+                                    </p:set>
+                                    <p:anim calcmode="lin" valueType="num">
+                                      <p:cBhvr additive="base">
+                                        <p:cTn id="19" dur="500" fill="hold"/>
+                                        <p:tgtEl>
+                                          <p:spTgt spid="3">
+                                            <p:txEl>
+                                              <p:pRg st="2" end="2"/>
+                                            </p:txEl>
+                                          </p:spTgt>
+                                        </p:tgtEl>
+                                        <p:attrNameLst>
+                                          <p:attrName>ppt_x</p:attrName>
+                                        </p:attrNameLst>
+                                      </p:cBhvr>
+                                      <p:tavLst>
+                                        <p:tav tm="0">
+                                          <p:val>
+                                            <p:strVal val="#ppt_x"/>
+                                          </p:val>
+                                        </p:tav>
+                                        <p:tav tm="100000">
+                                          <p:val>
+                                            <p:strVal val="#ppt_x"/>
+                                          </p:val>
+                                        </p:tav>
+                                      </p:tavLst>
+                                    </p:anim>
+                                    <p:anim calcmode="lin" valueType="num">
+                                      <p:cBhvr additive="base">
+                                        <p:cTn id="20" dur="500" fill="hold"/>
+                                        <p:tgtEl>
+                                          <p:spTgt spid="3">
+                                            <p:txEl>
+                                              <p:pRg st="2" end="2"/>
+                                            </p:txEl>
+                                          </p:spTgt>
+                                        </p:tgtEl>
+                                        <p:attrNameLst>
+                                          <p:attrName>ppt_y</p:attrName>
+                                        </p:attrNameLst>
+                                      </p:cBhvr>
+                                      <p:tavLst>
+                                        <p:tav tm="0">
+                                          <p:val>
+                                            <p:strVal val="1+#ppt_h/2"/>
+                                          </p:val>
+                                        </p:tav>
+                                        <p:tav tm="100000">
+                                          <p:val>
+                                            <p:strVal val="#ppt_y"/>
+                                          </p:val>
+                                        </p:tav>
+                                      </p:tavLst>
+                                    </p:anim>
+                                  </p:childTnLst>
+                                </p:cTn>
+                              </p:par>
+                            </p:childTnLst>
+                          </p:cTn>
+                        </p:par>
+                      </p:childTnLst>
+                    </p:cTn>
+                  </p:par>
+                  <p:par>
+                    <p:cTn id="21" fill="hold">
+                      <p:stCondLst>
+                        <p:cond delay="indefinite"/>
+                      </p:stCondLst>
+                      <p:childTnLst>
+                        <p:par>
+                          <p:cTn id="22" fill="hold">
+                            <p:stCondLst>
+                              <p:cond delay="0"/>
+                            </p:stCondLst>
+                            <p:childTnLst>
+                              <p:par>
+                                <p:cTn id="23" presetID="2" presetClass="entr" presetSubtype="4" fill="hold" nodeType="clickEffect">
+                                  <p:stCondLst>
+                                    <p:cond delay="0"/>
+                                  </p:stCondLst>
+                                  <p:childTnLst>
+                                    <p:set>
+                                      <p:cBhvr>
+                                        <p:cTn id="24" dur="1" fill="hold">
+                                          <p:stCondLst>
+                                            <p:cond delay="0"/>
+                                          </p:stCondLst>
+                                        </p:cTn>
+                                        <p:tgtEl>
+                                          <p:spTgt spid="3">
+                                            <p:txEl>
+                                              <p:pRg st="3" end="3"/>
+                                            </p:txEl>
+                                          </p:spTgt>
+                                        </p:tgtEl>
+                                        <p:attrNameLst>
+                                          <p:attrName>style.visibility</p:attrName>
+                                        </p:attrNameLst>
+                                      </p:cBhvr>
+                                      <p:to>
+                                        <p:strVal val="visible"/>
+                                      </p:to>
+                                    </p:set>
+                                    <p:anim calcmode="lin" valueType="num">
+                                      <p:cBhvr additive="base">
+                                        <p:cTn id="25" dur="500" fill="hold"/>
+                                        <p:tgtEl>
+                                          <p:spTgt spid="3">
+                                            <p:txEl>
+                                              <p:pRg st="3" end="3"/>
+                                            </p:txEl>
+                                          </p:spTgt>
+                                        </p:tgtEl>
+                                        <p:attrNameLst>
+                                          <p:attrName>ppt_x</p:attrName>
+                                        </p:attrNameLst>
+                                      </p:cBhvr>
+                                      <p:tavLst>
+                                        <p:tav tm="0">
+                                          <p:val>
+                                            <p:strVal val="#ppt_x"/>
+                                          </p:val>
+                                        </p:tav>
+                                        <p:tav tm="100000">
+                                          <p:val>
+                                            <p:strVal val="#ppt_x"/>
+                                          </p:val>
+                                        </p:tav>
+                                      </p:tavLst>
+                                    </p:anim>
+                                    <p:anim calcmode="lin" valueType="num">
+                                      <p:cBhvr additive="base">
+                                        <p:cTn id="26" dur="500" fill="hold"/>
+                                        <p:tgtEl>
+                                          <p:spTgt spid="3">
+                                            <p:txEl>
+                                              <p:pRg st="3" end="3"/>
+                                            </p:txEl>
+                                          </p:spTgt>
+                                        </p:tgtEl>
+                                        <p:attrNameLst>
+                                          <p:attrName>ppt_y</p:attrName>
+                                        </p:attrNameLst>
+                                      </p:cBhvr>
+                                      <p:tavLst>
+                                        <p:tav tm="0">
+                                          <p:val>
+                                            <p:strVal val="1+#ppt_h/2"/>
+                                          </p:val>
+                                        </p:tav>
+                                        <p:tav tm="100000">
+                                          <p:val>
+                                            <p:strVal val="#ppt_y"/>
+                                          </p:val>
+                                        </p:tav>
+                                      </p:tavLst>
+                                    </p:anim>
+                                  </p:childTnLst>
+                                </p:cTn>
+                              </p:par>
+                            </p:childTnLst>
+                          </p:cTn>
+                        </p:par>
+                      </p:childTnLst>
+                    </p:cTn>
+                  </p:par>
+                </p:childTnLst>
+              </p:cTn>
+              <p:prevCondLst>
+                <p:cond evt="onPrev" delay="0">
+                  <p:tgtEl>
+                    <p:sldTgt/>
+                  </p:tgtEl>
+                </p:cond>
+              </p:prevCondLst>
+              <p:nextCondLst>
+                <p:cond evt="onNext" delay="0">
+                  <p:tgtEl>
+                    <p:sldTgt/>
+                  </p:tgtEl>
+                </p:cond>
+              </p:nextCondLst>
+            </p:seq>
+          </p:childTnLst>
+        </p:cTn>
       </p:par>
     </p:tnLst>
   </p:timing>
@@ -8966,6 +11126,29 @@
           </a:p>
         </p:txBody>
       </p:sp>
+      <p:sp>
+        <p:nvSpPr>
+          <p:cNvPr id="3" name="Slide Number Placeholder 2"/>
+          <p:cNvSpPr>
+            <a:spLocks noGrp="1"/>
+          </p:cNvSpPr>
+          <p:nvPr>
+            <p:ph type="sldNum" sz="quarter" idx="12"/>
+          </p:nvPr>
+        </p:nvSpPr>
+        <p:spPr/>
+        <p:txBody>
+          <a:bodyPr/>
+          <a:lstStyle/>
+          <a:p>
+            <a:fld id="{EE623193-3B07-41E3-89CD-497FFD80429D}" type="slidenum">
+              <a:rPr lang="en-US" smtClean="0"/>
+              <a:t>28</a:t>
+            </a:fld>
+            <a:endParaRPr lang="en-US"/>
+          </a:p>
+        </p:txBody>
+      </p:sp>
     </p:spTree>
     <p:extLst>
       <p:ext uri="{BB962C8B-B14F-4D97-AF65-F5344CB8AC3E}">
@@ -8979,7 +11162,347 @@
   <p:timing>
     <p:tnLst>
       <p:par>
-        <p:cTn id="1" dur="indefinite" restart="never" nodeType="tmRoot"/>
+        <p:cTn id="1" dur="indefinite" restart="never" nodeType="tmRoot">
+          <p:childTnLst>
+            <p:seq concurrent="1" nextAc="seek">
+              <p:cTn id="2" dur="indefinite" nodeType="mainSeq">
+                <p:childTnLst>
+                  <p:par>
+                    <p:cTn id="3" fill="hold">
+                      <p:stCondLst>
+                        <p:cond delay="indefinite"/>
+                      </p:stCondLst>
+                      <p:childTnLst>
+                        <p:par>
+                          <p:cTn id="4" fill="hold">
+                            <p:stCondLst>
+                              <p:cond delay="0"/>
+                            </p:stCondLst>
+                            <p:childTnLst>
+                              <p:par>
+                                <p:cTn id="5" presetID="10" presetClass="entr" presetSubtype="0" fill="hold" grpId="0" nodeType="clickEffect">
+                                  <p:stCondLst>
+                                    <p:cond delay="0"/>
+                                  </p:stCondLst>
+                                  <p:childTnLst>
+                                    <p:set>
+                                      <p:cBhvr>
+                                        <p:cTn id="6" dur="1" fill="hold">
+                                          <p:stCondLst>
+                                            <p:cond delay="0"/>
+                                          </p:stCondLst>
+                                        </p:cTn>
+                                        <p:tgtEl>
+                                          <p:spTgt spid="7"/>
+                                        </p:tgtEl>
+                                        <p:attrNameLst>
+                                          <p:attrName>style.visibility</p:attrName>
+                                        </p:attrNameLst>
+                                      </p:cBhvr>
+                                      <p:to>
+                                        <p:strVal val="visible"/>
+                                      </p:to>
+                                    </p:set>
+                                    <p:animEffect transition="in" filter="fade">
+                                      <p:cBhvr>
+                                        <p:cTn id="7" dur="500"/>
+                                        <p:tgtEl>
+                                          <p:spTgt spid="7"/>
+                                        </p:tgtEl>
+                                      </p:cBhvr>
+                                    </p:animEffect>
+                                  </p:childTnLst>
+                                </p:cTn>
+                              </p:par>
+                            </p:childTnLst>
+                          </p:cTn>
+                        </p:par>
+                      </p:childTnLst>
+                    </p:cTn>
+                  </p:par>
+                </p:childTnLst>
+              </p:cTn>
+              <p:prevCondLst>
+                <p:cond evt="onPrev" delay="0">
+                  <p:tgtEl>
+                    <p:sldTgt/>
+                  </p:tgtEl>
+                </p:cond>
+              </p:prevCondLst>
+              <p:nextCondLst>
+                <p:cond evt="onNext" delay="0">
+                  <p:tgtEl>
+                    <p:sldTgt/>
+                  </p:tgtEl>
+                </p:cond>
+              </p:nextCondLst>
+            </p:seq>
+          </p:childTnLst>
+        </p:cTn>
+      </p:par>
+    </p:tnLst>
+    <p:bldLst>
+      <p:bldP spid="7" grpId="0"/>
+    </p:bldLst>
+  </p:timing>
+</p:sld>
+</file>
+
+<file path=ppt/slides/slide29.xml><?xml version="1.0" encoding="utf-8"?>
+<p:sld xmlns:a="http://schemas.openxmlformats.org/drawingml/2006/main" xmlns:r="http://schemas.openxmlformats.org/officeDocument/2006/relationships" xmlns:p="http://schemas.openxmlformats.org/presentationml/2006/main">
+  <p:cSld>
+    <p:spTree>
+      <p:nvGrpSpPr>
+        <p:cNvPr id="1" name=""/>
+        <p:cNvGrpSpPr/>
+        <p:nvPr/>
+      </p:nvGrpSpPr>
+      <p:grpSpPr>
+        <a:xfrm>
+          <a:off x="0" y="0"/>
+          <a:ext cx="0" cy="0"/>
+          <a:chOff x="0" y="0"/>
+          <a:chExt cx="0" cy="0"/>
+        </a:xfrm>
+      </p:grpSpPr>
+      <p:sp>
+        <p:nvSpPr>
+          <p:cNvPr id="3" name="Content Placeholder 2"/>
+          <p:cNvSpPr>
+            <a:spLocks noGrp="1"/>
+          </p:cNvSpPr>
+          <p:nvPr>
+            <p:ph idx="1"/>
+          </p:nvPr>
+        </p:nvSpPr>
+        <p:spPr>
+          <a:xfrm>
+            <a:off x="1665960" y="1344640"/>
+            <a:ext cx="7770879" cy="1999809"/>
+          </a:xfrm>
+        </p:spPr>
+        <p:txBody>
+          <a:bodyPr>
+            <a:normAutofit/>
+          </a:bodyPr>
+          <a:lstStyle/>
+          <a:p>
+            <a:pPr marL="0" indent="0">
+              <a:buNone/>
+            </a:pPr>
+            <a:r>
+              <a:rPr lang="en-US" sz="9600" dirty="0" smtClean="0"/>
+              <a:t>THANK YOU</a:t>
+            </a:r>
+            <a:endParaRPr lang="en-US" sz="9600" dirty="0"/>
+          </a:p>
+        </p:txBody>
+      </p:sp>
+      <p:sp>
+        <p:nvSpPr>
+          <p:cNvPr id="4" name="Slide Number Placeholder 3"/>
+          <p:cNvSpPr>
+            <a:spLocks noGrp="1"/>
+          </p:cNvSpPr>
+          <p:nvPr>
+            <p:ph type="sldNum" sz="quarter" idx="12"/>
+          </p:nvPr>
+        </p:nvSpPr>
+        <p:spPr/>
+        <p:txBody>
+          <a:bodyPr/>
+          <a:lstStyle/>
+          <a:p>
+            <a:fld id="{EE623193-3B07-41E3-89CD-497FFD80429D}" type="slidenum">
+              <a:rPr lang="en-US" smtClean="0"/>
+              <a:t>29</a:t>
+            </a:fld>
+            <a:endParaRPr lang="en-US"/>
+          </a:p>
+        </p:txBody>
+      </p:sp>
+      <p:sp>
+        <p:nvSpPr>
+          <p:cNvPr id="5" name="TextBox 4"/>
+          <p:cNvSpPr txBox="1"/>
+          <p:nvPr/>
+        </p:nvSpPr>
+        <p:spPr>
+          <a:xfrm>
+            <a:off x="1157135" y="4317125"/>
+            <a:ext cx="6546371" cy="1015663"/>
+          </a:xfrm>
+          <a:prstGeom prst="rect">
+            <a:avLst/>
+          </a:prstGeom>
+          <a:noFill/>
+        </p:spPr>
+        <p:txBody>
+          <a:bodyPr wrap="square" rtlCol="0">
+            <a:spAutoFit/>
+          </a:bodyPr>
+          <a:lstStyle/>
+          <a:p>
+            <a:r>
+              <a:rPr lang="en-US" sz="2000" b="1" dirty="0" smtClean="0"/>
+              <a:t>Mark Eaton</a:t>
+            </a:r>
+          </a:p>
+          <a:p>
+            <a:r>
+              <a:rPr lang="en-US" sz="2000" b="1" dirty="0" smtClean="0"/>
+              <a:t>Assistant Professor – Reader Services Librarian</a:t>
+            </a:r>
+          </a:p>
+          <a:p>
+            <a:r>
+              <a:rPr lang="en-US" sz="2000" b="1" dirty="0" smtClean="0"/>
+              <a:t>Mark.Eaton@kbcc.cuny.edu</a:t>
+            </a:r>
+            <a:endParaRPr lang="en-US" sz="2000" b="1" dirty="0"/>
+          </a:p>
+        </p:txBody>
+      </p:sp>
+      <p:sp>
+        <p:nvSpPr>
+          <p:cNvPr id="7" name="TextBox 6"/>
+          <p:cNvSpPr txBox="1"/>
+          <p:nvPr/>
+        </p:nvSpPr>
+        <p:spPr>
+          <a:xfrm>
+            <a:off x="1157134" y="5579697"/>
+            <a:ext cx="6358481" cy="1015663"/>
+          </a:xfrm>
+          <a:prstGeom prst="rect">
+            <a:avLst/>
+          </a:prstGeom>
+          <a:noFill/>
+        </p:spPr>
+        <p:txBody>
+          <a:bodyPr wrap="square" rtlCol="0">
+            <a:spAutoFit/>
+          </a:bodyPr>
+          <a:lstStyle/>
+          <a:p>
+            <a:r>
+              <a:rPr lang="en-US" sz="2000" b="1" dirty="0" smtClean="0"/>
+              <a:t>Carlos Arguelles</a:t>
+            </a:r>
+          </a:p>
+          <a:p>
+            <a:r>
+              <a:rPr lang="en-US" sz="2000" b="1" dirty="0" smtClean="0"/>
+              <a:t>Associate Professor – Reader Services Librarian</a:t>
+            </a:r>
+          </a:p>
+          <a:p>
+            <a:r>
+              <a:rPr lang="en-US" sz="2000" b="1" dirty="0" smtClean="0"/>
+              <a:t>Carlos.Arguelles@kbcc.cuny.edu</a:t>
+            </a:r>
+            <a:endParaRPr lang="en-US" sz="2000" b="1" dirty="0"/>
+          </a:p>
+        </p:txBody>
+      </p:sp>
+    </p:spTree>
+    <p:extLst>
+      <p:ext uri="{BB962C8B-B14F-4D97-AF65-F5344CB8AC3E}">
+        <p14:creationId xmlns:p14="http://schemas.microsoft.com/office/powerpoint/2010/main" val="88206853"/>
+      </p:ext>
+    </p:extLst>
+  </p:cSld>
+  <p:clrMapOvr>
+    <a:masterClrMapping/>
+  </p:clrMapOvr>
+  <p:timing>
+    <p:tnLst>
+      <p:par>
+        <p:cTn id="1" dur="indefinite" restart="never" nodeType="tmRoot">
+          <p:childTnLst>
+            <p:seq concurrent="1" nextAc="seek">
+              <p:cTn id="2" dur="indefinite" nodeType="mainSeq">
+                <p:childTnLst>
+                  <p:par>
+                    <p:cTn id="3" fill="hold">
+                      <p:stCondLst>
+                        <p:cond delay="indefinite"/>
+                      </p:stCondLst>
+                      <p:childTnLst>
+                        <p:par>
+                          <p:cTn id="4" fill="hold">
+                            <p:stCondLst>
+                              <p:cond delay="0"/>
+                            </p:stCondLst>
+                            <p:childTnLst>
+                              <p:par>
+                                <p:cTn id="5" presetID="22" presetClass="entr" presetSubtype="4" fill="hold" nodeType="clickEffect">
+                                  <p:stCondLst>
+                                    <p:cond delay="0"/>
+                                  </p:stCondLst>
+                                  <p:childTnLst>
+                                    <p:set>
+                                      <p:cBhvr>
+                                        <p:cTn id="6" dur="1" fill="hold">
+                                          <p:stCondLst>
+                                            <p:cond delay="0"/>
+                                          </p:stCondLst>
+                                        </p:cTn>
+                                        <p:tgtEl>
+                                          <p:spTgt spid="3">
+                                            <p:txEl>
+                                              <p:pRg st="0" end="0"/>
+                                            </p:txEl>
+                                          </p:spTgt>
+                                        </p:tgtEl>
+                                        <p:attrNameLst>
+                                          <p:attrName>style.visibility</p:attrName>
+                                        </p:attrNameLst>
+                                      </p:cBhvr>
+                                      <p:to>
+                                        <p:strVal val="visible"/>
+                                      </p:to>
+                                    </p:set>
+                                    <p:animEffect transition="in" filter="wipe(down)">
+                                      <p:cBhvr>
+                                        <p:cTn id="7" dur="2000"/>
+                                        <p:tgtEl>
+                                          <p:spTgt spid="3">
+                                            <p:txEl>
+                                              <p:pRg st="0" end="0"/>
+                                            </p:txEl>
+                                          </p:spTgt>
+                                        </p:tgtEl>
+                                      </p:cBhvr>
+                                    </p:animEffect>
+                                  </p:childTnLst>
+                                </p:cTn>
+                              </p:par>
+                            </p:childTnLst>
+                          </p:cTn>
+                        </p:par>
+                      </p:childTnLst>
+                    </p:cTn>
+                  </p:par>
+                </p:childTnLst>
+              </p:cTn>
+              <p:prevCondLst>
+                <p:cond evt="onPrev" delay="0">
+                  <p:tgtEl>
+                    <p:sldTgt/>
+                  </p:tgtEl>
+                </p:cond>
+              </p:prevCondLst>
+              <p:nextCondLst>
+                <p:cond evt="onNext" delay="0">
+                  <p:tgtEl>
+                    <p:sldTgt/>
+                  </p:tgtEl>
+                </p:cond>
+              </p:nextCondLst>
+            </p:seq>
+          </p:childTnLst>
+        </p:cTn>
       </p:par>
     </p:tnLst>
   </p:timing>
@@ -9060,12 +11583,47 @@
             <a:pPr algn="just"/>
             <a:r>
               <a:rPr lang="en-US" sz="3500" dirty="0" smtClean="0"/>
-              <a:t>Usability testing involves actual target users and matches real-world experiences (Prototypes), The use on an incentive to recruit participants is necessary</a:t>
+              <a:t>Usability testing involves actual target users and matches real-world experiences (Prototypes</a:t>
+            </a:r>
+            <a:r>
+              <a:rPr lang="en-US" sz="3500" dirty="0" smtClean="0"/>
+              <a:t>). </a:t>
+            </a:r>
+            <a:r>
+              <a:rPr lang="en-US" sz="3500" dirty="0" smtClean="0"/>
+              <a:t>The use on an incentive to recruit participants is necessary</a:t>
             </a:r>
             <a:r>
               <a:rPr lang="en-US" dirty="0" smtClean="0"/>
-              <a:t>.                                                                                                                                                                                                                                                                                                                                                                                                                                                                                                                                                                                                                                                                                                                                      </a:t>
-            </a:r>
+              <a:t>.     </a:t>
+            </a:r>
+            <a:r>
+              <a:rPr lang="en-US" dirty="0" smtClean="0"/>
+              <a:t>                                                                                                                                                                                                                                                                                                                                                                                                                                                                                                                                                                     </a:t>
+            </a:r>
+            <a:endParaRPr lang="en-US" dirty="0"/>
+          </a:p>
+        </p:txBody>
+      </p:sp>
+      <p:sp>
+        <p:nvSpPr>
+          <p:cNvPr id="4" name="Slide Number Placeholder 3"/>
+          <p:cNvSpPr>
+            <a:spLocks noGrp="1"/>
+          </p:cNvSpPr>
+          <p:nvPr>
+            <p:ph type="sldNum" sz="quarter" idx="12"/>
+          </p:nvPr>
+        </p:nvSpPr>
+        <p:spPr/>
+        <p:txBody>
+          <a:bodyPr/>
+          <a:lstStyle/>
+          <a:p>
+            <a:fld id="{EE623193-3B07-41E3-89CD-497FFD80429D}" type="slidenum">
+              <a:rPr lang="en-US" smtClean="0"/>
+              <a:t>3</a:t>
+            </a:fld>
             <a:endParaRPr lang="en-US" dirty="0"/>
           </a:p>
         </p:txBody>
@@ -9083,7 +11641,260 @@
   <p:timing>
     <p:tnLst>
       <p:par>
-        <p:cTn id="1" dur="indefinite" restart="never" nodeType="tmRoot"/>
+        <p:cTn id="1" dur="indefinite" restart="never" nodeType="tmRoot">
+          <p:childTnLst>
+            <p:seq concurrent="1" nextAc="seek">
+              <p:cTn id="2" dur="indefinite" nodeType="mainSeq">
+                <p:childTnLst>
+                  <p:par>
+                    <p:cTn id="3" fill="hold">
+                      <p:stCondLst>
+                        <p:cond delay="indefinite"/>
+                      </p:stCondLst>
+                      <p:childTnLst>
+                        <p:par>
+                          <p:cTn id="4" fill="hold">
+                            <p:stCondLst>
+                              <p:cond delay="0"/>
+                            </p:stCondLst>
+                            <p:childTnLst>
+                              <p:par>
+                                <p:cTn id="5" presetID="42" presetClass="entr" presetSubtype="0" fill="hold" nodeType="clickEffect">
+                                  <p:stCondLst>
+                                    <p:cond delay="0"/>
+                                  </p:stCondLst>
+                                  <p:childTnLst>
+                                    <p:set>
+                                      <p:cBhvr>
+                                        <p:cTn id="6" dur="1" fill="hold">
+                                          <p:stCondLst>
+                                            <p:cond delay="0"/>
+                                          </p:stCondLst>
+                                        </p:cTn>
+                                        <p:tgtEl>
+                                          <p:spTgt spid="3">
+                                            <p:txEl>
+                                              <p:pRg st="0" end="0"/>
+                                            </p:txEl>
+                                          </p:spTgt>
+                                        </p:tgtEl>
+                                        <p:attrNameLst>
+                                          <p:attrName>style.visibility</p:attrName>
+                                        </p:attrNameLst>
+                                      </p:cBhvr>
+                                      <p:to>
+                                        <p:strVal val="visible"/>
+                                      </p:to>
+                                    </p:set>
+                                    <p:animEffect transition="in" filter="fade">
+                                      <p:cBhvr>
+                                        <p:cTn id="7" dur="1000"/>
+                                        <p:tgtEl>
+                                          <p:spTgt spid="3">
+                                            <p:txEl>
+                                              <p:pRg st="0" end="0"/>
+                                            </p:txEl>
+                                          </p:spTgt>
+                                        </p:tgtEl>
+                                      </p:cBhvr>
+                                    </p:animEffect>
+                                    <p:anim calcmode="lin" valueType="num">
+                                      <p:cBhvr>
+                                        <p:cTn id="8" dur="1000" fill="hold"/>
+                                        <p:tgtEl>
+                                          <p:spTgt spid="3">
+                                            <p:txEl>
+                                              <p:pRg st="0" end="0"/>
+                                            </p:txEl>
+                                          </p:spTgt>
+                                        </p:tgtEl>
+                                        <p:attrNameLst>
+                                          <p:attrName>ppt_x</p:attrName>
+                                        </p:attrNameLst>
+                                      </p:cBhvr>
+                                      <p:tavLst>
+                                        <p:tav tm="0">
+                                          <p:val>
+                                            <p:strVal val="#ppt_x"/>
+                                          </p:val>
+                                        </p:tav>
+                                        <p:tav tm="100000">
+                                          <p:val>
+                                            <p:strVal val="#ppt_x"/>
+                                          </p:val>
+                                        </p:tav>
+                                      </p:tavLst>
+                                    </p:anim>
+                                    <p:anim calcmode="lin" valueType="num">
+                                      <p:cBhvr>
+                                        <p:cTn id="9" dur="1000" fill="hold"/>
+                                        <p:tgtEl>
+                                          <p:spTgt spid="3">
+                                            <p:txEl>
+                                              <p:pRg st="0" end="0"/>
+                                            </p:txEl>
+                                          </p:spTgt>
+                                        </p:tgtEl>
+                                        <p:attrNameLst>
+                                          <p:attrName>ppt_y</p:attrName>
+                                        </p:attrNameLst>
+                                      </p:cBhvr>
+                                      <p:tavLst>
+                                        <p:tav tm="0">
+                                          <p:val>
+                                            <p:strVal val="#ppt_y+.1"/>
+                                          </p:val>
+                                        </p:tav>
+                                        <p:tav tm="100000">
+                                          <p:val>
+                                            <p:strVal val="#ppt_y"/>
+                                          </p:val>
+                                        </p:tav>
+                                      </p:tavLst>
+                                    </p:anim>
+                                  </p:childTnLst>
+                                </p:cTn>
+                              </p:par>
+                            </p:childTnLst>
+                          </p:cTn>
+                        </p:par>
+                      </p:childTnLst>
+                    </p:cTn>
+                  </p:par>
+                  <p:par>
+                    <p:cTn id="10" fill="hold">
+                      <p:stCondLst>
+                        <p:cond delay="indefinite"/>
+                      </p:stCondLst>
+                      <p:childTnLst>
+                        <p:par>
+                          <p:cTn id="11" fill="hold">
+                            <p:stCondLst>
+                              <p:cond delay="0"/>
+                            </p:stCondLst>
+                            <p:childTnLst>
+                              <p:par>
+                                <p:cTn id="12" presetID="42" presetClass="entr" presetSubtype="0" fill="hold" nodeType="clickEffect">
+                                  <p:stCondLst>
+                                    <p:cond delay="0"/>
+                                  </p:stCondLst>
+                                  <p:childTnLst>
+                                    <p:set>
+                                      <p:cBhvr>
+                                        <p:cTn id="13" dur="1" fill="hold">
+                                          <p:stCondLst>
+                                            <p:cond delay="0"/>
+                                          </p:stCondLst>
+                                        </p:cTn>
+                                        <p:tgtEl>
+                                          <p:spTgt spid="3">
+                                            <p:txEl>
+                                              <p:pRg st="1" end="1"/>
+                                            </p:txEl>
+                                          </p:spTgt>
+                                        </p:tgtEl>
+                                        <p:attrNameLst>
+                                          <p:attrName>style.visibility</p:attrName>
+                                        </p:attrNameLst>
+                                      </p:cBhvr>
+                                      <p:to>
+                                        <p:strVal val="visible"/>
+                                      </p:to>
+                                    </p:set>
+                                    <p:animEffect transition="in" filter="fade">
+                                      <p:cBhvr>
+                                        <p:cTn id="14" dur="1000"/>
+                                        <p:tgtEl>
+                                          <p:spTgt spid="3">
+                                            <p:txEl>
+                                              <p:pRg st="1" end="1"/>
+                                            </p:txEl>
+                                          </p:spTgt>
+                                        </p:tgtEl>
+                                      </p:cBhvr>
+                                    </p:animEffect>
+                                    <p:anim calcmode="lin" valueType="num">
+                                      <p:cBhvr>
+                                        <p:cTn id="15" dur="1000" fill="hold"/>
+                                        <p:tgtEl>
+                                          <p:spTgt spid="3">
+                                            <p:txEl>
+                                              <p:pRg st="1" end="1"/>
+                                            </p:txEl>
+                                          </p:spTgt>
+                                        </p:tgtEl>
+                                        <p:attrNameLst>
+                                          <p:attrName>ppt_x</p:attrName>
+                                        </p:attrNameLst>
+                                      </p:cBhvr>
+                                      <p:tavLst>
+                                        <p:tav tm="0">
+                                          <p:val>
+                                            <p:strVal val="#ppt_x"/>
+                                          </p:val>
+                                        </p:tav>
+                                        <p:tav tm="100000">
+                                          <p:val>
+                                            <p:strVal val="#ppt_x"/>
+                                          </p:val>
+                                        </p:tav>
+                                      </p:tavLst>
+                                    </p:anim>
+                                    <p:anim calcmode="lin" valueType="num">
+                                      <p:cBhvr>
+                                        <p:cTn id="16" dur="1000" fill="hold"/>
+                                        <p:tgtEl>
+                                          <p:spTgt spid="3">
+                                            <p:txEl>
+                                              <p:pRg st="1" end="1"/>
+                                            </p:txEl>
+                                          </p:spTgt>
+                                        </p:tgtEl>
+                                        <p:attrNameLst>
+                                          <p:attrName>ppt_y</p:attrName>
+                                        </p:attrNameLst>
+                                      </p:cBhvr>
+                                      <p:tavLst>
+                                        <p:tav tm="0">
+                                          <p:val>
+                                            <p:strVal val="#ppt_y+.1"/>
+                                          </p:val>
+                                        </p:tav>
+                                        <p:tav tm="100000">
+                                          <p:val>
+                                            <p:strVal val="#ppt_y"/>
+                                          </p:val>
+                                        </p:tav>
+                                      </p:tavLst>
+                                    </p:anim>
+                                  </p:childTnLst>
+                                </p:cTn>
+                              </p:par>
+                            </p:childTnLst>
+                          </p:cTn>
+                        </p:par>
+                      </p:childTnLst>
+                    </p:cTn>
+                  </p:par>
+                </p:childTnLst>
+              </p:cTn>
+              <p:prevCondLst>
+                <p:cond evt="onPrev" delay="0">
+                  <p:tgtEl>
+                    <p:sldTgt/>
+                  </p:tgtEl>
+                </p:cond>
+              </p:prevCondLst>
+              <p:nextCondLst>
+                <p:cond evt="onNext" delay="0">
+                  <p:tgtEl>
+                    <p:sldTgt/>
+                  </p:tgtEl>
+                </p:cond>
+              </p:nextCondLst>
+            </p:seq>
+          </p:childTnLst>
+        </p:cTn>
       </p:par>
     </p:tnLst>
   </p:timing>
@@ -9206,6 +12017,29 @@
           </a:p>
         </p:txBody>
       </p:sp>
+      <p:sp>
+        <p:nvSpPr>
+          <p:cNvPr id="4" name="Slide Number Placeholder 3"/>
+          <p:cNvSpPr>
+            <a:spLocks noGrp="1"/>
+          </p:cNvSpPr>
+          <p:nvPr>
+            <p:ph type="sldNum" sz="quarter" idx="12"/>
+          </p:nvPr>
+        </p:nvSpPr>
+        <p:spPr/>
+        <p:txBody>
+          <a:bodyPr/>
+          <a:lstStyle/>
+          <a:p>
+            <a:fld id="{EE623193-3B07-41E3-89CD-497FFD80429D}" type="slidenum">
+              <a:rPr lang="en-US" smtClean="0"/>
+              <a:t>4</a:t>
+            </a:fld>
+            <a:endParaRPr lang="en-US"/>
+          </a:p>
+        </p:txBody>
+      </p:sp>
     </p:spTree>
     <p:extLst>
       <p:ext uri="{BB962C8B-B14F-4D97-AF65-F5344CB8AC3E}">
@@ -9219,7 +12053,612 @@
   <p:timing>
     <p:tnLst>
       <p:par>
-        <p:cTn id="1" dur="indefinite" restart="never" nodeType="tmRoot"/>
+        <p:cTn id="1" dur="indefinite" restart="never" nodeType="tmRoot">
+          <p:childTnLst>
+            <p:seq concurrent="1" nextAc="seek">
+              <p:cTn id="2" dur="indefinite" nodeType="mainSeq">
+                <p:childTnLst>
+                  <p:par>
+                    <p:cTn id="3" fill="hold">
+                      <p:stCondLst>
+                        <p:cond delay="indefinite"/>
+                      </p:stCondLst>
+                      <p:childTnLst>
+                        <p:par>
+                          <p:cTn id="4" fill="hold">
+                            <p:stCondLst>
+                              <p:cond delay="0"/>
+                            </p:stCondLst>
+                            <p:childTnLst>
+                              <p:par>
+                                <p:cTn id="5" presetID="2" presetClass="entr" presetSubtype="4" fill="hold" nodeType="clickEffect">
+                                  <p:stCondLst>
+                                    <p:cond delay="0"/>
+                                  </p:stCondLst>
+                                  <p:childTnLst>
+                                    <p:set>
+                                      <p:cBhvr>
+                                        <p:cTn id="6" dur="1" fill="hold">
+                                          <p:stCondLst>
+                                            <p:cond delay="0"/>
+                                          </p:stCondLst>
+                                        </p:cTn>
+                                        <p:tgtEl>
+                                          <p:spTgt spid="3">
+                                            <p:txEl>
+                                              <p:pRg st="0" end="0"/>
+                                            </p:txEl>
+                                          </p:spTgt>
+                                        </p:tgtEl>
+                                        <p:attrNameLst>
+                                          <p:attrName>style.visibility</p:attrName>
+                                        </p:attrNameLst>
+                                      </p:cBhvr>
+                                      <p:to>
+                                        <p:strVal val="visible"/>
+                                      </p:to>
+                                    </p:set>
+                                    <p:anim calcmode="lin" valueType="num">
+                                      <p:cBhvr additive="base">
+                                        <p:cTn id="7" dur="500" fill="hold"/>
+                                        <p:tgtEl>
+                                          <p:spTgt spid="3">
+                                            <p:txEl>
+                                              <p:pRg st="0" end="0"/>
+                                            </p:txEl>
+                                          </p:spTgt>
+                                        </p:tgtEl>
+                                        <p:attrNameLst>
+                                          <p:attrName>ppt_x</p:attrName>
+                                        </p:attrNameLst>
+                                      </p:cBhvr>
+                                      <p:tavLst>
+                                        <p:tav tm="0">
+                                          <p:val>
+                                            <p:strVal val="#ppt_x"/>
+                                          </p:val>
+                                        </p:tav>
+                                        <p:tav tm="100000">
+                                          <p:val>
+                                            <p:strVal val="#ppt_x"/>
+                                          </p:val>
+                                        </p:tav>
+                                      </p:tavLst>
+                                    </p:anim>
+                                    <p:anim calcmode="lin" valueType="num">
+                                      <p:cBhvr additive="base">
+                                        <p:cTn id="8" dur="500" fill="hold"/>
+                                        <p:tgtEl>
+                                          <p:spTgt spid="3">
+                                            <p:txEl>
+                                              <p:pRg st="0" end="0"/>
+                                            </p:txEl>
+                                          </p:spTgt>
+                                        </p:tgtEl>
+                                        <p:attrNameLst>
+                                          <p:attrName>ppt_y</p:attrName>
+                                        </p:attrNameLst>
+                                      </p:cBhvr>
+                                      <p:tavLst>
+                                        <p:tav tm="0">
+                                          <p:val>
+                                            <p:strVal val="1+#ppt_h/2"/>
+                                          </p:val>
+                                        </p:tav>
+                                        <p:tav tm="100000">
+                                          <p:val>
+                                            <p:strVal val="#ppt_y"/>
+                                          </p:val>
+                                        </p:tav>
+                                      </p:tavLst>
+                                    </p:anim>
+                                  </p:childTnLst>
+                                </p:cTn>
+                              </p:par>
+                            </p:childTnLst>
+                          </p:cTn>
+                        </p:par>
+                      </p:childTnLst>
+                    </p:cTn>
+                  </p:par>
+                  <p:par>
+                    <p:cTn id="9" fill="hold">
+                      <p:stCondLst>
+                        <p:cond delay="indefinite"/>
+                      </p:stCondLst>
+                      <p:childTnLst>
+                        <p:par>
+                          <p:cTn id="10" fill="hold">
+                            <p:stCondLst>
+                              <p:cond delay="0"/>
+                            </p:stCondLst>
+                            <p:childTnLst>
+                              <p:par>
+                                <p:cTn id="11" presetID="2" presetClass="entr" presetSubtype="4" fill="hold" nodeType="clickEffect">
+                                  <p:stCondLst>
+                                    <p:cond delay="0"/>
+                                  </p:stCondLst>
+                                  <p:childTnLst>
+                                    <p:set>
+                                      <p:cBhvr>
+                                        <p:cTn id="12" dur="1" fill="hold">
+                                          <p:stCondLst>
+                                            <p:cond delay="0"/>
+                                          </p:stCondLst>
+                                        </p:cTn>
+                                        <p:tgtEl>
+                                          <p:spTgt spid="3">
+                                            <p:txEl>
+                                              <p:pRg st="1" end="1"/>
+                                            </p:txEl>
+                                          </p:spTgt>
+                                        </p:tgtEl>
+                                        <p:attrNameLst>
+                                          <p:attrName>style.visibility</p:attrName>
+                                        </p:attrNameLst>
+                                      </p:cBhvr>
+                                      <p:to>
+                                        <p:strVal val="visible"/>
+                                      </p:to>
+                                    </p:set>
+                                    <p:anim calcmode="lin" valueType="num">
+                                      <p:cBhvr additive="base">
+                                        <p:cTn id="13" dur="500" fill="hold"/>
+                                        <p:tgtEl>
+                                          <p:spTgt spid="3">
+                                            <p:txEl>
+                                              <p:pRg st="1" end="1"/>
+                                            </p:txEl>
+                                          </p:spTgt>
+                                        </p:tgtEl>
+                                        <p:attrNameLst>
+                                          <p:attrName>ppt_x</p:attrName>
+                                        </p:attrNameLst>
+                                      </p:cBhvr>
+                                      <p:tavLst>
+                                        <p:tav tm="0">
+                                          <p:val>
+                                            <p:strVal val="#ppt_x"/>
+                                          </p:val>
+                                        </p:tav>
+                                        <p:tav tm="100000">
+                                          <p:val>
+                                            <p:strVal val="#ppt_x"/>
+                                          </p:val>
+                                        </p:tav>
+                                      </p:tavLst>
+                                    </p:anim>
+                                    <p:anim calcmode="lin" valueType="num">
+                                      <p:cBhvr additive="base">
+                                        <p:cTn id="14" dur="500" fill="hold"/>
+                                        <p:tgtEl>
+                                          <p:spTgt spid="3">
+                                            <p:txEl>
+                                              <p:pRg st="1" end="1"/>
+                                            </p:txEl>
+                                          </p:spTgt>
+                                        </p:tgtEl>
+                                        <p:attrNameLst>
+                                          <p:attrName>ppt_y</p:attrName>
+                                        </p:attrNameLst>
+                                      </p:cBhvr>
+                                      <p:tavLst>
+                                        <p:tav tm="0">
+                                          <p:val>
+                                            <p:strVal val="1+#ppt_h/2"/>
+                                          </p:val>
+                                        </p:tav>
+                                        <p:tav tm="100000">
+                                          <p:val>
+                                            <p:strVal val="#ppt_y"/>
+                                          </p:val>
+                                        </p:tav>
+                                      </p:tavLst>
+                                    </p:anim>
+                                  </p:childTnLst>
+                                </p:cTn>
+                              </p:par>
+                            </p:childTnLst>
+                          </p:cTn>
+                        </p:par>
+                      </p:childTnLst>
+                    </p:cTn>
+                  </p:par>
+                  <p:par>
+                    <p:cTn id="15" fill="hold">
+                      <p:stCondLst>
+                        <p:cond delay="indefinite"/>
+                      </p:stCondLst>
+                      <p:childTnLst>
+                        <p:par>
+                          <p:cTn id="16" fill="hold">
+                            <p:stCondLst>
+                              <p:cond delay="0"/>
+                            </p:stCondLst>
+                            <p:childTnLst>
+                              <p:par>
+                                <p:cTn id="17" presetID="2" presetClass="entr" presetSubtype="4" fill="hold" nodeType="clickEffect">
+                                  <p:stCondLst>
+                                    <p:cond delay="0"/>
+                                  </p:stCondLst>
+                                  <p:childTnLst>
+                                    <p:set>
+                                      <p:cBhvr>
+                                        <p:cTn id="18" dur="1" fill="hold">
+                                          <p:stCondLst>
+                                            <p:cond delay="0"/>
+                                          </p:stCondLst>
+                                        </p:cTn>
+                                        <p:tgtEl>
+                                          <p:spTgt spid="3">
+                                            <p:txEl>
+                                              <p:pRg st="2" end="2"/>
+                                            </p:txEl>
+                                          </p:spTgt>
+                                        </p:tgtEl>
+                                        <p:attrNameLst>
+                                          <p:attrName>style.visibility</p:attrName>
+                                        </p:attrNameLst>
+                                      </p:cBhvr>
+                                      <p:to>
+                                        <p:strVal val="visible"/>
+                                      </p:to>
+                                    </p:set>
+                                    <p:anim calcmode="lin" valueType="num">
+                                      <p:cBhvr additive="base">
+                                        <p:cTn id="19" dur="500" fill="hold"/>
+                                        <p:tgtEl>
+                                          <p:spTgt spid="3">
+                                            <p:txEl>
+                                              <p:pRg st="2" end="2"/>
+                                            </p:txEl>
+                                          </p:spTgt>
+                                        </p:tgtEl>
+                                        <p:attrNameLst>
+                                          <p:attrName>ppt_x</p:attrName>
+                                        </p:attrNameLst>
+                                      </p:cBhvr>
+                                      <p:tavLst>
+                                        <p:tav tm="0">
+                                          <p:val>
+                                            <p:strVal val="#ppt_x"/>
+                                          </p:val>
+                                        </p:tav>
+                                        <p:tav tm="100000">
+                                          <p:val>
+                                            <p:strVal val="#ppt_x"/>
+                                          </p:val>
+                                        </p:tav>
+                                      </p:tavLst>
+                                    </p:anim>
+                                    <p:anim calcmode="lin" valueType="num">
+                                      <p:cBhvr additive="base">
+                                        <p:cTn id="20" dur="500" fill="hold"/>
+                                        <p:tgtEl>
+                                          <p:spTgt spid="3">
+                                            <p:txEl>
+                                              <p:pRg st="2" end="2"/>
+                                            </p:txEl>
+                                          </p:spTgt>
+                                        </p:tgtEl>
+                                        <p:attrNameLst>
+                                          <p:attrName>ppt_y</p:attrName>
+                                        </p:attrNameLst>
+                                      </p:cBhvr>
+                                      <p:tavLst>
+                                        <p:tav tm="0">
+                                          <p:val>
+                                            <p:strVal val="1+#ppt_h/2"/>
+                                          </p:val>
+                                        </p:tav>
+                                        <p:tav tm="100000">
+                                          <p:val>
+                                            <p:strVal val="#ppt_y"/>
+                                          </p:val>
+                                        </p:tav>
+                                      </p:tavLst>
+                                    </p:anim>
+                                  </p:childTnLst>
+                                </p:cTn>
+                              </p:par>
+                            </p:childTnLst>
+                          </p:cTn>
+                        </p:par>
+                      </p:childTnLst>
+                    </p:cTn>
+                  </p:par>
+                  <p:par>
+                    <p:cTn id="21" fill="hold">
+                      <p:stCondLst>
+                        <p:cond delay="indefinite"/>
+                      </p:stCondLst>
+                      <p:childTnLst>
+                        <p:par>
+                          <p:cTn id="22" fill="hold">
+                            <p:stCondLst>
+                              <p:cond delay="0"/>
+                            </p:stCondLst>
+                            <p:childTnLst>
+                              <p:par>
+                                <p:cTn id="23" presetID="2" presetClass="entr" presetSubtype="4" fill="hold" nodeType="clickEffect">
+                                  <p:stCondLst>
+                                    <p:cond delay="0"/>
+                                  </p:stCondLst>
+                                  <p:childTnLst>
+                                    <p:set>
+                                      <p:cBhvr>
+                                        <p:cTn id="24" dur="1" fill="hold">
+                                          <p:stCondLst>
+                                            <p:cond delay="0"/>
+                                          </p:stCondLst>
+                                        </p:cTn>
+                                        <p:tgtEl>
+                                          <p:spTgt spid="3">
+                                            <p:txEl>
+                                              <p:pRg st="3" end="3"/>
+                                            </p:txEl>
+                                          </p:spTgt>
+                                        </p:tgtEl>
+                                        <p:attrNameLst>
+                                          <p:attrName>style.visibility</p:attrName>
+                                        </p:attrNameLst>
+                                      </p:cBhvr>
+                                      <p:to>
+                                        <p:strVal val="visible"/>
+                                      </p:to>
+                                    </p:set>
+                                    <p:anim calcmode="lin" valueType="num">
+                                      <p:cBhvr additive="base">
+                                        <p:cTn id="25" dur="500" fill="hold"/>
+                                        <p:tgtEl>
+                                          <p:spTgt spid="3">
+                                            <p:txEl>
+                                              <p:pRg st="3" end="3"/>
+                                            </p:txEl>
+                                          </p:spTgt>
+                                        </p:tgtEl>
+                                        <p:attrNameLst>
+                                          <p:attrName>ppt_x</p:attrName>
+                                        </p:attrNameLst>
+                                      </p:cBhvr>
+                                      <p:tavLst>
+                                        <p:tav tm="0">
+                                          <p:val>
+                                            <p:strVal val="#ppt_x"/>
+                                          </p:val>
+                                        </p:tav>
+                                        <p:tav tm="100000">
+                                          <p:val>
+                                            <p:strVal val="#ppt_x"/>
+                                          </p:val>
+                                        </p:tav>
+                                      </p:tavLst>
+                                    </p:anim>
+                                    <p:anim calcmode="lin" valueType="num">
+                                      <p:cBhvr additive="base">
+                                        <p:cTn id="26" dur="500" fill="hold"/>
+                                        <p:tgtEl>
+                                          <p:spTgt spid="3">
+                                            <p:txEl>
+                                              <p:pRg st="3" end="3"/>
+                                            </p:txEl>
+                                          </p:spTgt>
+                                        </p:tgtEl>
+                                        <p:attrNameLst>
+                                          <p:attrName>ppt_y</p:attrName>
+                                        </p:attrNameLst>
+                                      </p:cBhvr>
+                                      <p:tavLst>
+                                        <p:tav tm="0">
+                                          <p:val>
+                                            <p:strVal val="1+#ppt_h/2"/>
+                                          </p:val>
+                                        </p:tav>
+                                        <p:tav tm="100000">
+                                          <p:val>
+                                            <p:strVal val="#ppt_y"/>
+                                          </p:val>
+                                        </p:tav>
+                                      </p:tavLst>
+                                    </p:anim>
+                                  </p:childTnLst>
+                                </p:cTn>
+                              </p:par>
+                              <p:par>
+                                <p:cTn id="27" presetID="2" presetClass="entr" presetSubtype="4" fill="hold" nodeType="withEffect">
+                                  <p:stCondLst>
+                                    <p:cond delay="0"/>
+                                  </p:stCondLst>
+                                  <p:childTnLst>
+                                    <p:set>
+                                      <p:cBhvr>
+                                        <p:cTn id="28" dur="1" fill="hold">
+                                          <p:stCondLst>
+                                            <p:cond delay="0"/>
+                                          </p:stCondLst>
+                                        </p:cTn>
+                                        <p:tgtEl>
+                                          <p:spTgt spid="3">
+                                            <p:txEl>
+                                              <p:pRg st="4" end="4"/>
+                                            </p:txEl>
+                                          </p:spTgt>
+                                        </p:tgtEl>
+                                        <p:attrNameLst>
+                                          <p:attrName>style.visibility</p:attrName>
+                                        </p:attrNameLst>
+                                      </p:cBhvr>
+                                      <p:to>
+                                        <p:strVal val="visible"/>
+                                      </p:to>
+                                    </p:set>
+                                    <p:anim calcmode="lin" valueType="num">
+                                      <p:cBhvr additive="base">
+                                        <p:cTn id="29" dur="500" fill="hold"/>
+                                        <p:tgtEl>
+                                          <p:spTgt spid="3">
+                                            <p:txEl>
+                                              <p:pRg st="4" end="4"/>
+                                            </p:txEl>
+                                          </p:spTgt>
+                                        </p:tgtEl>
+                                        <p:attrNameLst>
+                                          <p:attrName>ppt_x</p:attrName>
+                                        </p:attrNameLst>
+                                      </p:cBhvr>
+                                      <p:tavLst>
+                                        <p:tav tm="0">
+                                          <p:val>
+                                            <p:strVal val="#ppt_x"/>
+                                          </p:val>
+                                        </p:tav>
+                                        <p:tav tm="100000">
+                                          <p:val>
+                                            <p:strVal val="#ppt_x"/>
+                                          </p:val>
+                                        </p:tav>
+                                      </p:tavLst>
+                                    </p:anim>
+                                    <p:anim calcmode="lin" valueType="num">
+                                      <p:cBhvr additive="base">
+                                        <p:cTn id="30" dur="500" fill="hold"/>
+                                        <p:tgtEl>
+                                          <p:spTgt spid="3">
+                                            <p:txEl>
+                                              <p:pRg st="4" end="4"/>
+                                            </p:txEl>
+                                          </p:spTgt>
+                                        </p:tgtEl>
+                                        <p:attrNameLst>
+                                          <p:attrName>ppt_y</p:attrName>
+                                        </p:attrNameLst>
+                                      </p:cBhvr>
+                                      <p:tavLst>
+                                        <p:tav tm="0">
+                                          <p:val>
+                                            <p:strVal val="1+#ppt_h/2"/>
+                                          </p:val>
+                                        </p:tav>
+                                        <p:tav tm="100000">
+                                          <p:val>
+                                            <p:strVal val="#ppt_y"/>
+                                          </p:val>
+                                        </p:tav>
+                                      </p:tavLst>
+                                    </p:anim>
+                                  </p:childTnLst>
+                                </p:cTn>
+                              </p:par>
+                              <p:par>
+                                <p:cTn id="31" presetID="2" presetClass="entr" presetSubtype="4" fill="hold" nodeType="withEffect">
+                                  <p:stCondLst>
+                                    <p:cond delay="0"/>
+                                  </p:stCondLst>
+                                  <p:childTnLst>
+                                    <p:set>
+                                      <p:cBhvr>
+                                        <p:cTn id="32" dur="1" fill="hold">
+                                          <p:stCondLst>
+                                            <p:cond delay="0"/>
+                                          </p:stCondLst>
+                                        </p:cTn>
+                                        <p:tgtEl>
+                                          <p:spTgt spid="3">
+                                            <p:txEl>
+                                              <p:pRg st="5" end="5"/>
+                                            </p:txEl>
+                                          </p:spTgt>
+                                        </p:tgtEl>
+                                        <p:attrNameLst>
+                                          <p:attrName>style.visibility</p:attrName>
+                                        </p:attrNameLst>
+                                      </p:cBhvr>
+                                      <p:to>
+                                        <p:strVal val="visible"/>
+                                      </p:to>
+                                    </p:set>
+                                    <p:anim calcmode="lin" valueType="num">
+                                      <p:cBhvr additive="base">
+                                        <p:cTn id="33" dur="500" fill="hold"/>
+                                        <p:tgtEl>
+                                          <p:spTgt spid="3">
+                                            <p:txEl>
+                                              <p:pRg st="5" end="5"/>
+                                            </p:txEl>
+                                          </p:spTgt>
+                                        </p:tgtEl>
+                                        <p:attrNameLst>
+                                          <p:attrName>ppt_x</p:attrName>
+                                        </p:attrNameLst>
+                                      </p:cBhvr>
+                                      <p:tavLst>
+                                        <p:tav tm="0">
+                                          <p:val>
+                                            <p:strVal val="#ppt_x"/>
+                                          </p:val>
+                                        </p:tav>
+                                        <p:tav tm="100000">
+                                          <p:val>
+                                            <p:strVal val="#ppt_x"/>
+                                          </p:val>
+                                        </p:tav>
+                                      </p:tavLst>
+                                    </p:anim>
+                                    <p:anim calcmode="lin" valueType="num">
+                                      <p:cBhvr additive="base">
+                                        <p:cTn id="34" dur="500" fill="hold"/>
+                                        <p:tgtEl>
+                                          <p:spTgt spid="3">
+                                            <p:txEl>
+                                              <p:pRg st="5" end="5"/>
+                                            </p:txEl>
+                                          </p:spTgt>
+                                        </p:tgtEl>
+                                        <p:attrNameLst>
+                                          <p:attrName>ppt_y</p:attrName>
+                                        </p:attrNameLst>
+                                      </p:cBhvr>
+                                      <p:tavLst>
+                                        <p:tav tm="0">
+                                          <p:val>
+                                            <p:strVal val="1+#ppt_h/2"/>
+                                          </p:val>
+                                        </p:tav>
+                                        <p:tav tm="100000">
+                                          <p:val>
+                                            <p:strVal val="#ppt_y"/>
+                                          </p:val>
+                                        </p:tav>
+                                      </p:tavLst>
+                                    </p:anim>
+                                  </p:childTnLst>
+                                </p:cTn>
+                              </p:par>
+                            </p:childTnLst>
+                          </p:cTn>
+                        </p:par>
+                      </p:childTnLst>
+                    </p:cTn>
+                  </p:par>
+                </p:childTnLst>
+              </p:cTn>
+              <p:prevCondLst>
+                <p:cond evt="onPrev" delay="0">
+                  <p:tgtEl>
+                    <p:sldTgt/>
+                  </p:tgtEl>
+                </p:cond>
+              </p:prevCondLst>
+              <p:nextCondLst>
+                <p:cond evt="onNext" delay="0">
+                  <p:tgtEl>
+                    <p:sldTgt/>
+                  </p:tgtEl>
+                </p:cond>
+              </p:nextCondLst>
+            </p:seq>
+          </p:childTnLst>
+        </p:cTn>
       </p:par>
     </p:tnLst>
   </p:timing>
@@ -9262,7 +12701,7 @@
           <a:p>
             <a:r>
               <a:rPr lang="en-US" sz="6600" dirty="0" smtClean="0"/>
-              <a:t>Process</a:t>
+              <a:t>Process (cont.)</a:t>
             </a:r>
             <a:endParaRPr lang="en-US" sz="6600" dirty="0"/>
           </a:p>
@@ -9307,6 +12746,29 @@
           </a:p>
           <a:p>
             <a:endParaRPr lang="en-US" dirty="0"/>
+          </a:p>
+        </p:txBody>
+      </p:sp>
+      <p:sp>
+        <p:nvSpPr>
+          <p:cNvPr id="4" name="Slide Number Placeholder 3"/>
+          <p:cNvSpPr>
+            <a:spLocks noGrp="1"/>
+          </p:cNvSpPr>
+          <p:nvPr>
+            <p:ph type="sldNum" sz="quarter" idx="12"/>
+          </p:nvPr>
+        </p:nvSpPr>
+        <p:spPr/>
+        <p:txBody>
+          <a:bodyPr/>
+          <a:lstStyle/>
+          <a:p>
+            <a:fld id="{EE623193-3B07-41E3-89CD-497FFD80429D}" type="slidenum">
+              <a:rPr lang="en-US" smtClean="0"/>
+              <a:t>5</a:t>
+            </a:fld>
+            <a:endParaRPr lang="en-US"/>
           </a:p>
         </p:txBody>
       </p:sp>
@@ -9323,7 +12785,339 @@
   <p:timing>
     <p:tnLst>
       <p:par>
-        <p:cTn id="1" dur="indefinite" restart="never" nodeType="tmRoot"/>
+        <p:cTn id="1" dur="indefinite" restart="never" nodeType="tmRoot">
+          <p:childTnLst>
+            <p:seq concurrent="1" nextAc="seek">
+              <p:cTn id="2" dur="indefinite" nodeType="mainSeq">
+                <p:childTnLst>
+                  <p:par>
+                    <p:cTn id="3" fill="hold">
+                      <p:stCondLst>
+                        <p:cond delay="indefinite"/>
+                      </p:stCondLst>
+                      <p:childTnLst>
+                        <p:par>
+                          <p:cTn id="4" fill="hold">
+                            <p:stCondLst>
+                              <p:cond delay="0"/>
+                            </p:stCondLst>
+                            <p:childTnLst>
+                              <p:par>
+                                <p:cTn id="5" presetID="2" presetClass="entr" presetSubtype="4" fill="hold" nodeType="clickEffect">
+                                  <p:stCondLst>
+                                    <p:cond delay="0"/>
+                                  </p:stCondLst>
+                                  <p:childTnLst>
+                                    <p:set>
+                                      <p:cBhvr>
+                                        <p:cTn id="6" dur="1" fill="hold">
+                                          <p:stCondLst>
+                                            <p:cond delay="0"/>
+                                          </p:stCondLst>
+                                        </p:cTn>
+                                        <p:tgtEl>
+                                          <p:spTgt spid="3">
+                                            <p:txEl>
+                                              <p:pRg st="0" end="0"/>
+                                            </p:txEl>
+                                          </p:spTgt>
+                                        </p:tgtEl>
+                                        <p:attrNameLst>
+                                          <p:attrName>style.visibility</p:attrName>
+                                        </p:attrNameLst>
+                                      </p:cBhvr>
+                                      <p:to>
+                                        <p:strVal val="visible"/>
+                                      </p:to>
+                                    </p:set>
+                                    <p:anim calcmode="lin" valueType="num">
+                                      <p:cBhvr additive="base">
+                                        <p:cTn id="7" dur="500" fill="hold"/>
+                                        <p:tgtEl>
+                                          <p:spTgt spid="3">
+                                            <p:txEl>
+                                              <p:pRg st="0" end="0"/>
+                                            </p:txEl>
+                                          </p:spTgt>
+                                        </p:tgtEl>
+                                        <p:attrNameLst>
+                                          <p:attrName>ppt_x</p:attrName>
+                                        </p:attrNameLst>
+                                      </p:cBhvr>
+                                      <p:tavLst>
+                                        <p:tav tm="0">
+                                          <p:val>
+                                            <p:strVal val="#ppt_x"/>
+                                          </p:val>
+                                        </p:tav>
+                                        <p:tav tm="100000">
+                                          <p:val>
+                                            <p:strVal val="#ppt_x"/>
+                                          </p:val>
+                                        </p:tav>
+                                      </p:tavLst>
+                                    </p:anim>
+                                    <p:anim calcmode="lin" valueType="num">
+                                      <p:cBhvr additive="base">
+                                        <p:cTn id="8" dur="500" fill="hold"/>
+                                        <p:tgtEl>
+                                          <p:spTgt spid="3">
+                                            <p:txEl>
+                                              <p:pRg st="0" end="0"/>
+                                            </p:txEl>
+                                          </p:spTgt>
+                                        </p:tgtEl>
+                                        <p:attrNameLst>
+                                          <p:attrName>ppt_y</p:attrName>
+                                        </p:attrNameLst>
+                                      </p:cBhvr>
+                                      <p:tavLst>
+                                        <p:tav tm="0">
+                                          <p:val>
+                                            <p:strVal val="1+#ppt_h/2"/>
+                                          </p:val>
+                                        </p:tav>
+                                        <p:tav tm="100000">
+                                          <p:val>
+                                            <p:strVal val="#ppt_y"/>
+                                          </p:val>
+                                        </p:tav>
+                                      </p:tavLst>
+                                    </p:anim>
+                                  </p:childTnLst>
+                                </p:cTn>
+                              </p:par>
+                            </p:childTnLst>
+                          </p:cTn>
+                        </p:par>
+                      </p:childTnLst>
+                    </p:cTn>
+                  </p:par>
+                  <p:par>
+                    <p:cTn id="9" fill="hold">
+                      <p:stCondLst>
+                        <p:cond delay="indefinite"/>
+                      </p:stCondLst>
+                      <p:childTnLst>
+                        <p:par>
+                          <p:cTn id="10" fill="hold">
+                            <p:stCondLst>
+                              <p:cond delay="0"/>
+                            </p:stCondLst>
+                            <p:childTnLst>
+                              <p:par>
+                                <p:cTn id="11" presetID="2" presetClass="entr" presetSubtype="4" fill="hold" nodeType="clickEffect">
+                                  <p:stCondLst>
+                                    <p:cond delay="0"/>
+                                  </p:stCondLst>
+                                  <p:childTnLst>
+                                    <p:set>
+                                      <p:cBhvr>
+                                        <p:cTn id="12" dur="1" fill="hold">
+                                          <p:stCondLst>
+                                            <p:cond delay="0"/>
+                                          </p:stCondLst>
+                                        </p:cTn>
+                                        <p:tgtEl>
+                                          <p:spTgt spid="3">
+                                            <p:txEl>
+                                              <p:pRg st="1" end="1"/>
+                                            </p:txEl>
+                                          </p:spTgt>
+                                        </p:tgtEl>
+                                        <p:attrNameLst>
+                                          <p:attrName>style.visibility</p:attrName>
+                                        </p:attrNameLst>
+                                      </p:cBhvr>
+                                      <p:to>
+                                        <p:strVal val="visible"/>
+                                      </p:to>
+                                    </p:set>
+                                    <p:anim calcmode="lin" valueType="num">
+                                      <p:cBhvr additive="base">
+                                        <p:cTn id="13" dur="500" fill="hold"/>
+                                        <p:tgtEl>
+                                          <p:spTgt spid="3">
+                                            <p:txEl>
+                                              <p:pRg st="1" end="1"/>
+                                            </p:txEl>
+                                          </p:spTgt>
+                                        </p:tgtEl>
+                                        <p:attrNameLst>
+                                          <p:attrName>ppt_x</p:attrName>
+                                        </p:attrNameLst>
+                                      </p:cBhvr>
+                                      <p:tavLst>
+                                        <p:tav tm="0">
+                                          <p:val>
+                                            <p:strVal val="#ppt_x"/>
+                                          </p:val>
+                                        </p:tav>
+                                        <p:tav tm="100000">
+                                          <p:val>
+                                            <p:strVal val="#ppt_x"/>
+                                          </p:val>
+                                        </p:tav>
+                                      </p:tavLst>
+                                    </p:anim>
+                                    <p:anim calcmode="lin" valueType="num">
+                                      <p:cBhvr additive="base">
+                                        <p:cTn id="14" dur="500" fill="hold"/>
+                                        <p:tgtEl>
+                                          <p:spTgt spid="3">
+                                            <p:txEl>
+                                              <p:pRg st="1" end="1"/>
+                                            </p:txEl>
+                                          </p:spTgt>
+                                        </p:tgtEl>
+                                        <p:attrNameLst>
+                                          <p:attrName>ppt_y</p:attrName>
+                                        </p:attrNameLst>
+                                      </p:cBhvr>
+                                      <p:tavLst>
+                                        <p:tav tm="0">
+                                          <p:val>
+                                            <p:strVal val="1+#ppt_h/2"/>
+                                          </p:val>
+                                        </p:tav>
+                                        <p:tav tm="100000">
+                                          <p:val>
+                                            <p:strVal val="#ppt_y"/>
+                                          </p:val>
+                                        </p:tav>
+                                      </p:tavLst>
+                                    </p:anim>
+                                  </p:childTnLst>
+                                </p:cTn>
+                              </p:par>
+                            </p:childTnLst>
+                          </p:cTn>
+                        </p:par>
+                      </p:childTnLst>
+                    </p:cTn>
+                  </p:par>
+                  <p:par>
+                    <p:cTn id="15" fill="hold">
+                      <p:stCondLst>
+                        <p:cond delay="indefinite"/>
+                      </p:stCondLst>
+                      <p:childTnLst>
+                        <p:par>
+                          <p:cTn id="16" fill="hold">
+                            <p:stCondLst>
+                              <p:cond delay="0"/>
+                            </p:stCondLst>
+                            <p:childTnLst>
+                              <p:par>
+                                <p:cTn id="17" presetID="2" presetClass="entr" presetSubtype="4" fill="hold" nodeType="clickEffect">
+                                  <p:stCondLst>
+                                    <p:cond delay="0"/>
+                                  </p:stCondLst>
+                                  <p:childTnLst>
+                                    <p:set>
+                                      <p:cBhvr>
+                                        <p:cTn id="18" dur="1" fill="hold">
+                                          <p:stCondLst>
+                                            <p:cond delay="0"/>
+                                          </p:stCondLst>
+                                        </p:cTn>
+                                        <p:tgtEl>
+                                          <p:spTgt spid="3">
+                                            <p:txEl>
+                                              <p:pRg st="2" end="2"/>
+                                            </p:txEl>
+                                          </p:spTgt>
+                                        </p:tgtEl>
+                                        <p:attrNameLst>
+                                          <p:attrName>style.visibility</p:attrName>
+                                        </p:attrNameLst>
+                                      </p:cBhvr>
+                                      <p:to>
+                                        <p:strVal val="visible"/>
+                                      </p:to>
+                                    </p:set>
+                                    <p:anim calcmode="lin" valueType="num">
+                                      <p:cBhvr additive="base">
+                                        <p:cTn id="19" dur="500" fill="hold"/>
+                                        <p:tgtEl>
+                                          <p:spTgt spid="3">
+                                            <p:txEl>
+                                              <p:pRg st="2" end="2"/>
+                                            </p:txEl>
+                                          </p:spTgt>
+                                        </p:tgtEl>
+                                        <p:attrNameLst>
+                                          <p:attrName>ppt_x</p:attrName>
+                                        </p:attrNameLst>
+                                      </p:cBhvr>
+                                      <p:tavLst>
+                                        <p:tav tm="0">
+                                          <p:val>
+                                            <p:strVal val="#ppt_x"/>
+                                          </p:val>
+                                        </p:tav>
+                                        <p:tav tm="100000">
+                                          <p:val>
+                                            <p:strVal val="#ppt_x"/>
+                                          </p:val>
+                                        </p:tav>
+                                      </p:tavLst>
+                                    </p:anim>
+                                    <p:anim calcmode="lin" valueType="num">
+                                      <p:cBhvr additive="base">
+                                        <p:cTn id="20" dur="500" fill="hold"/>
+                                        <p:tgtEl>
+                                          <p:spTgt spid="3">
+                                            <p:txEl>
+                                              <p:pRg st="2" end="2"/>
+                                            </p:txEl>
+                                          </p:spTgt>
+                                        </p:tgtEl>
+                                        <p:attrNameLst>
+                                          <p:attrName>ppt_y</p:attrName>
+                                        </p:attrNameLst>
+                                      </p:cBhvr>
+                                      <p:tavLst>
+                                        <p:tav tm="0">
+                                          <p:val>
+                                            <p:strVal val="1+#ppt_h/2"/>
+                                          </p:val>
+                                        </p:tav>
+                                        <p:tav tm="100000">
+                                          <p:val>
+                                            <p:strVal val="#ppt_y"/>
+                                          </p:val>
+                                        </p:tav>
+                                      </p:tavLst>
+                                    </p:anim>
+                                  </p:childTnLst>
+                                </p:cTn>
+                              </p:par>
+                            </p:childTnLst>
+                          </p:cTn>
+                        </p:par>
+                      </p:childTnLst>
+                    </p:cTn>
+                  </p:par>
+                </p:childTnLst>
+              </p:cTn>
+              <p:prevCondLst>
+                <p:cond evt="onPrev" delay="0">
+                  <p:tgtEl>
+                    <p:sldTgt/>
+                  </p:tgtEl>
+                </p:cond>
+              </p:prevCondLst>
+              <p:nextCondLst>
+                <p:cond evt="onNext" delay="0">
+                  <p:tgtEl>
+                    <p:sldTgt/>
+                  </p:tgtEl>
+                </p:cond>
+              </p:nextCondLst>
+            </p:seq>
+          </p:childTnLst>
+        </p:cTn>
       </p:par>
     </p:tnLst>
   </p:timing>
@@ -9377,6 +13171,29 @@
           </a:prstGeom>
         </p:spPr>
       </p:pic>
+      <p:sp>
+        <p:nvSpPr>
+          <p:cNvPr id="3" name="Slide Number Placeholder 2"/>
+          <p:cNvSpPr>
+            <a:spLocks noGrp="1"/>
+          </p:cNvSpPr>
+          <p:nvPr>
+            <p:ph type="sldNum" sz="quarter" idx="12"/>
+          </p:nvPr>
+        </p:nvSpPr>
+        <p:spPr/>
+        <p:txBody>
+          <a:bodyPr/>
+          <a:lstStyle/>
+          <a:p>
+            <a:fld id="{EE623193-3B07-41E3-89CD-497FFD80429D}" type="slidenum">
+              <a:rPr lang="en-US" smtClean="0"/>
+              <a:t>6</a:t>
+            </a:fld>
+            <a:endParaRPr lang="en-US"/>
+          </a:p>
+        </p:txBody>
+      </p:sp>
     </p:spTree>
     <p:extLst>
       <p:ext uri="{BB962C8B-B14F-4D97-AF65-F5344CB8AC3E}">
@@ -9444,6 +13261,29 @@
           </a:prstGeom>
         </p:spPr>
       </p:pic>
+      <p:sp>
+        <p:nvSpPr>
+          <p:cNvPr id="3" name="Slide Number Placeholder 2"/>
+          <p:cNvSpPr>
+            <a:spLocks noGrp="1"/>
+          </p:cNvSpPr>
+          <p:nvPr>
+            <p:ph type="sldNum" sz="quarter" idx="12"/>
+          </p:nvPr>
+        </p:nvSpPr>
+        <p:spPr/>
+        <p:txBody>
+          <a:bodyPr/>
+          <a:lstStyle/>
+          <a:p>
+            <a:fld id="{EE623193-3B07-41E3-89CD-497FFD80429D}" type="slidenum">
+              <a:rPr lang="en-US" smtClean="0"/>
+              <a:t>7</a:t>
+            </a:fld>
+            <a:endParaRPr lang="en-US"/>
+          </a:p>
+        </p:txBody>
+      </p:sp>
     </p:spTree>
     <p:extLst>
       <p:ext uri="{BB962C8B-B14F-4D97-AF65-F5344CB8AC3E}">
@@ -9778,6 +13618,29 @@
               <a:t>[ … , … ]</a:t>
             </a:r>
             <a:endParaRPr lang="en-US" sz="6000"/>
+          </a:p>
+        </p:txBody>
+      </p:sp>
+      <p:sp>
+        <p:nvSpPr>
+          <p:cNvPr id="2" name="Slide Number Placeholder 1"/>
+          <p:cNvSpPr>
+            <a:spLocks noGrp="1"/>
+          </p:cNvSpPr>
+          <p:nvPr>
+            <p:ph type="sldNum" sz="quarter" idx="12"/>
+          </p:nvPr>
+        </p:nvSpPr>
+        <p:spPr/>
+        <p:txBody>
+          <a:bodyPr/>
+          <a:lstStyle/>
+          <a:p>
+            <a:fld id="{EE623193-3B07-41E3-89CD-497FFD80429D}" type="slidenum">
+              <a:rPr lang="en-US" smtClean="0"/>
+              <a:t>8</a:t>
+            </a:fld>
+            <a:endParaRPr lang="en-US"/>
           </a:p>
         </p:txBody>
       </p:sp>
@@ -10350,6 +14213,29 @@
           </a:prstGeom>
         </p:spPr>
       </p:pic>
+      <p:sp>
+        <p:nvSpPr>
+          <p:cNvPr id="3" name="Slide Number Placeholder 2"/>
+          <p:cNvSpPr>
+            <a:spLocks noGrp="1"/>
+          </p:cNvSpPr>
+          <p:nvPr>
+            <p:ph type="sldNum" sz="quarter" idx="12"/>
+          </p:nvPr>
+        </p:nvSpPr>
+        <p:spPr/>
+        <p:txBody>
+          <a:bodyPr/>
+          <a:lstStyle/>
+          <a:p>
+            <a:fld id="{EE623193-3B07-41E3-89CD-497FFD80429D}" type="slidenum">
+              <a:rPr lang="en-US" smtClean="0"/>
+              <a:t>9</a:t>
+            </a:fld>
+            <a:endParaRPr lang="en-US"/>
+          </a:p>
+        </p:txBody>
+      </p:sp>
     </p:spTree>
     <p:extLst>
       <p:ext uri="{BB962C8B-B14F-4D97-AF65-F5344CB8AC3E}">
@@ -10625,4 +14511,526 @@
     </a:ext>
   </a:extLst>
 </a:theme>
+</file>
+
+<file path=ppt/theme/theme2.xml><?xml version="1.0" encoding="utf-8"?>
+<a:theme xmlns:a="http://schemas.openxmlformats.org/drawingml/2006/main" name="Office Theme">
+  <a:themeElements>
+    <a:clrScheme name="Office">
+      <a:dk1>
+        <a:sysClr val="windowText" lastClr="000000"/>
+      </a:dk1>
+      <a:lt1>
+        <a:sysClr val="window" lastClr="FFFFFF"/>
+      </a:lt1>
+      <a:dk2>
+        <a:srgbClr val="44546A"/>
+      </a:dk2>
+      <a:lt2>
+        <a:srgbClr val="E7E6E6"/>
+      </a:lt2>
+      <a:accent1>
+        <a:srgbClr val="5B9BD5"/>
+      </a:accent1>
+      <a:accent2>
+        <a:srgbClr val="ED7D31"/>
+      </a:accent2>
+      <a:accent3>
+        <a:srgbClr val="A5A5A5"/>
+      </a:accent3>
+      <a:accent4>
+        <a:srgbClr val="FFC000"/>
+      </a:accent4>
+      <a:accent5>
+        <a:srgbClr val="4472C4"/>
+      </a:accent5>
+      <a:accent6>
+        <a:srgbClr val="70AD47"/>
+      </a:accent6>
+      <a:hlink>
+        <a:srgbClr val="0563C1"/>
+      </a:hlink>
+      <a:folHlink>
+        <a:srgbClr val="954F72"/>
+      </a:folHlink>
+    </a:clrScheme>
+    <a:fontScheme name="Office">
+      <a:majorFont>
+        <a:latin typeface="Calibri Light" panose="020F0302020204030204"/>
+        <a:ea typeface=""/>
+        <a:cs typeface=""/>
+        <a:font script="Jpan" typeface="ＭＳ Ｐゴシック"/>
+        <a:font script="Hang" typeface="맑은 고딕"/>
+        <a:font script="Hans" typeface="宋体"/>
+        <a:font script="Hant" typeface="新細明體"/>
+        <a:font script="Arab" typeface="Times New Roman"/>
+        <a:font script="Hebr" typeface="Times New Roman"/>
+        <a:font script="Thai" typeface="Angsana New"/>
+        <a:font script="Ethi" typeface="Nyala"/>
+        <a:font script="Beng" typeface="Vrinda"/>
+        <a:font script="Gujr" typeface="Shruti"/>
+        <a:font script="Khmr" typeface="MoolBoran"/>
+        <a:font script="Knda" typeface="Tunga"/>
+        <a:font script="Guru" typeface="Raavi"/>
+        <a:font script="Cans" typeface="Euphemia"/>
+        <a:font script="Cher" typeface="Plantagenet Cherokee"/>
+        <a:font script="Yiii" typeface="Microsoft Yi Baiti"/>
+        <a:font script="Tibt" typeface="Microsoft Himalaya"/>
+        <a:font script="Thaa" typeface="MV Boli"/>
+        <a:font script="Deva" typeface="Mangal"/>
+        <a:font script="Telu" typeface="Gautami"/>
+        <a:font script="Taml" typeface="Latha"/>
+        <a:font script="Syrc" typeface="Estrangelo Edessa"/>
+        <a:font script="Orya" typeface="Kalinga"/>
+        <a:font script="Mlym" typeface="Kartika"/>
+        <a:font script="Laoo" typeface="DokChampa"/>
+        <a:font script="Sinh" typeface="Iskoola Pota"/>
+        <a:font script="Mong" typeface="Mongolian Baiti"/>
+        <a:font script="Viet" typeface="Times New Roman"/>
+        <a:font script="Uigh" typeface="Microsoft Uighur"/>
+        <a:font script="Geor" typeface="Sylfaen"/>
+      </a:majorFont>
+      <a:minorFont>
+        <a:latin typeface="Calibri" panose="020F0502020204030204"/>
+        <a:ea typeface=""/>
+        <a:cs typeface=""/>
+        <a:font script="Jpan" typeface="ＭＳ Ｐゴシック"/>
+        <a:font script="Hang" typeface="맑은 고딕"/>
+        <a:font script="Hans" typeface="宋体"/>
+        <a:font script="Hant" typeface="新細明體"/>
+        <a:font script="Arab" typeface="Arial"/>
+        <a:font script="Hebr" typeface="Arial"/>
+        <a:font script="Thai" typeface="Cordia New"/>
+        <a:font script="Ethi" typeface="Nyala"/>
+        <a:font script="Beng" typeface="Vrinda"/>
+        <a:font script="Gujr" typeface="Shruti"/>
+        <a:font script="Khmr" typeface="DaunPenh"/>
+        <a:font script="Knda" typeface="Tunga"/>
+        <a:font script="Guru" typeface="Raavi"/>
+        <a:font script="Cans" typeface="Euphemia"/>
+        <a:font script="Cher" typeface="Plantagenet Cherokee"/>
+        <a:font script="Yiii" typeface="Microsoft Yi Baiti"/>
+        <a:font script="Tibt" typeface="Microsoft Himalaya"/>
+        <a:font script="Thaa" typeface="MV Boli"/>
+        <a:font script="Deva" typeface="Mangal"/>
+        <a:font script="Telu" typeface="Gautami"/>
+        <a:font script="Taml" typeface="Latha"/>
+        <a:font script="Syrc" typeface="Estrangelo Edessa"/>
+        <a:font script="Orya" typeface="Kalinga"/>
+        <a:font script="Mlym" typeface="Kartika"/>
+        <a:font script="Laoo" typeface="DokChampa"/>
+        <a:font script="Sinh" typeface="Iskoola Pota"/>
+        <a:font script="Mong" typeface="Mongolian Baiti"/>
+        <a:font script="Viet" typeface="Arial"/>
+        <a:font script="Uigh" typeface="Microsoft Uighur"/>
+        <a:font script="Geor" typeface="Sylfaen"/>
+      </a:minorFont>
+    </a:fontScheme>
+    <a:fmtScheme name="Office">
+      <a:fillStyleLst>
+        <a:solidFill>
+          <a:schemeClr val="phClr"/>
+        </a:solidFill>
+        <a:gradFill rotWithShape="1">
+          <a:gsLst>
+            <a:gs pos="0">
+              <a:schemeClr val="phClr">
+                <a:lumMod val="110000"/>
+                <a:satMod val="105000"/>
+                <a:tint val="67000"/>
+              </a:schemeClr>
+            </a:gs>
+            <a:gs pos="50000">
+              <a:schemeClr val="phClr">
+                <a:lumMod val="105000"/>
+                <a:satMod val="103000"/>
+                <a:tint val="73000"/>
+              </a:schemeClr>
+            </a:gs>
+            <a:gs pos="100000">
+              <a:schemeClr val="phClr">
+                <a:lumMod val="105000"/>
+                <a:satMod val="109000"/>
+                <a:tint val="81000"/>
+              </a:schemeClr>
+            </a:gs>
+          </a:gsLst>
+          <a:lin ang="5400000" scaled="0"/>
+        </a:gradFill>
+        <a:gradFill rotWithShape="1">
+          <a:gsLst>
+            <a:gs pos="0">
+              <a:schemeClr val="phClr">
+                <a:satMod val="103000"/>
+                <a:lumMod val="102000"/>
+                <a:tint val="94000"/>
+              </a:schemeClr>
+            </a:gs>
+            <a:gs pos="50000">
+              <a:schemeClr val="phClr">
+                <a:satMod val="110000"/>
+                <a:lumMod val="100000"/>
+                <a:shade val="100000"/>
+              </a:schemeClr>
+            </a:gs>
+            <a:gs pos="100000">
+              <a:schemeClr val="phClr">
+                <a:lumMod val="99000"/>
+                <a:satMod val="120000"/>
+                <a:shade val="78000"/>
+              </a:schemeClr>
+            </a:gs>
+          </a:gsLst>
+          <a:lin ang="5400000" scaled="0"/>
+        </a:gradFill>
+      </a:fillStyleLst>
+      <a:lnStyleLst>
+        <a:ln w="6350" cap="flat" cmpd="sng" algn="ctr">
+          <a:solidFill>
+            <a:schemeClr val="phClr"/>
+          </a:solidFill>
+          <a:prstDash val="solid"/>
+          <a:miter lim="800000"/>
+        </a:ln>
+        <a:ln w="12700" cap="flat" cmpd="sng" algn="ctr">
+          <a:solidFill>
+            <a:schemeClr val="phClr"/>
+          </a:solidFill>
+          <a:prstDash val="solid"/>
+          <a:miter lim="800000"/>
+        </a:ln>
+        <a:ln w="19050" cap="flat" cmpd="sng" algn="ctr">
+          <a:solidFill>
+            <a:schemeClr val="phClr"/>
+          </a:solidFill>
+          <a:prstDash val="solid"/>
+          <a:miter lim="800000"/>
+        </a:ln>
+      </a:lnStyleLst>
+      <a:effectStyleLst>
+        <a:effectStyle>
+          <a:effectLst/>
+        </a:effectStyle>
+        <a:effectStyle>
+          <a:effectLst/>
+        </a:effectStyle>
+        <a:effectStyle>
+          <a:effectLst>
+            <a:outerShdw blurRad="57150" dist="19050" dir="5400000" algn="ctr" rotWithShape="0">
+              <a:srgbClr val="000000">
+                <a:alpha val="63000"/>
+              </a:srgbClr>
+            </a:outerShdw>
+          </a:effectLst>
+        </a:effectStyle>
+      </a:effectStyleLst>
+      <a:bgFillStyleLst>
+        <a:solidFill>
+          <a:schemeClr val="phClr"/>
+        </a:solidFill>
+        <a:solidFill>
+          <a:schemeClr val="phClr">
+            <a:tint val="95000"/>
+            <a:satMod val="170000"/>
+          </a:schemeClr>
+        </a:solidFill>
+        <a:gradFill rotWithShape="1">
+          <a:gsLst>
+            <a:gs pos="0">
+              <a:schemeClr val="phClr">
+                <a:tint val="93000"/>
+                <a:satMod val="150000"/>
+                <a:shade val="98000"/>
+                <a:lumMod val="102000"/>
+              </a:schemeClr>
+            </a:gs>
+            <a:gs pos="50000">
+              <a:schemeClr val="phClr">
+                <a:tint val="98000"/>
+                <a:satMod val="130000"/>
+                <a:shade val="90000"/>
+                <a:lumMod val="103000"/>
+              </a:schemeClr>
+            </a:gs>
+            <a:gs pos="100000">
+              <a:schemeClr val="phClr">
+                <a:shade val="63000"/>
+                <a:satMod val="120000"/>
+              </a:schemeClr>
+            </a:gs>
+          </a:gsLst>
+          <a:lin ang="5400000" scaled="0"/>
+        </a:gradFill>
+      </a:bgFillStyleLst>
+    </a:fmtScheme>
+  </a:themeElements>
+  <a:objectDefaults/>
+  <a:extraClrSchemeLst/>
+  <a:extLst>
+    <a:ext uri="{05A4C25C-085E-4340-85A3-A5531E510DB2}">
+      <thm15:themeFamily xmlns:thm15="http://schemas.microsoft.com/office/thememl/2012/main" name="Office Theme" id="{62F939B6-93AF-4DB8-9C6B-D6C7DFDC589F}" vid="{4A3C46E8-61CC-4603-A589-7422A47A8E4A}"/>
+    </a:ext>
+  </a:extLst>
+</a:theme>
+</file>
+
+<file path=ppt/theme/theme3.xml><?xml version="1.0" encoding="utf-8"?>
+<a:theme xmlns:a="http://schemas.openxmlformats.org/drawingml/2006/main" name="Office Theme">
+  <a:themeElements>
+    <a:clrScheme name="Office">
+      <a:dk1>
+        <a:sysClr val="windowText" lastClr="000000"/>
+      </a:dk1>
+      <a:lt1>
+        <a:sysClr val="window" lastClr="FFFFFF"/>
+      </a:lt1>
+      <a:dk2>
+        <a:srgbClr val="44546A"/>
+      </a:dk2>
+      <a:lt2>
+        <a:srgbClr val="E7E6E6"/>
+      </a:lt2>
+      <a:accent1>
+        <a:srgbClr val="5B9BD5"/>
+      </a:accent1>
+      <a:accent2>
+        <a:srgbClr val="ED7D31"/>
+      </a:accent2>
+      <a:accent3>
+        <a:srgbClr val="A5A5A5"/>
+      </a:accent3>
+      <a:accent4>
+        <a:srgbClr val="FFC000"/>
+      </a:accent4>
+      <a:accent5>
+        <a:srgbClr val="4472C4"/>
+      </a:accent5>
+      <a:accent6>
+        <a:srgbClr val="70AD47"/>
+      </a:accent6>
+      <a:hlink>
+        <a:srgbClr val="0563C1"/>
+      </a:hlink>
+      <a:folHlink>
+        <a:srgbClr val="954F72"/>
+      </a:folHlink>
+    </a:clrScheme>
+    <a:fontScheme name="Office">
+      <a:majorFont>
+        <a:latin typeface="Calibri Light" panose="020F0302020204030204"/>
+        <a:ea typeface=""/>
+        <a:cs typeface=""/>
+        <a:font script="Jpan" typeface="ＭＳ Ｐゴシック"/>
+        <a:font script="Hang" typeface="맑은 고딕"/>
+        <a:font script="Hans" typeface="宋体"/>
+        <a:font script="Hant" typeface="新細明體"/>
+        <a:font script="Arab" typeface="Times New Roman"/>
+        <a:font script="Hebr" typeface="Times New Roman"/>
+        <a:font script="Thai" typeface="Angsana New"/>
+        <a:font script="Ethi" typeface="Nyala"/>
+        <a:font script="Beng" typeface="Vrinda"/>
+        <a:font script="Gujr" typeface="Shruti"/>
+        <a:font script="Khmr" typeface="MoolBoran"/>
+        <a:font script="Knda" typeface="Tunga"/>
+        <a:font script="Guru" typeface="Raavi"/>
+        <a:font script="Cans" typeface="Euphemia"/>
+        <a:font script="Cher" typeface="Plantagenet Cherokee"/>
+        <a:font script="Yiii" typeface="Microsoft Yi Baiti"/>
+        <a:font script="Tibt" typeface="Microsoft Himalaya"/>
+        <a:font script="Thaa" typeface="MV Boli"/>
+        <a:font script="Deva" typeface="Mangal"/>
+        <a:font script="Telu" typeface="Gautami"/>
+        <a:font script="Taml" typeface="Latha"/>
+        <a:font script="Syrc" typeface="Estrangelo Edessa"/>
+        <a:font script="Orya" typeface="Kalinga"/>
+        <a:font script="Mlym" typeface="Kartika"/>
+        <a:font script="Laoo" typeface="DokChampa"/>
+        <a:font script="Sinh" typeface="Iskoola Pota"/>
+        <a:font script="Mong" typeface="Mongolian Baiti"/>
+        <a:font script="Viet" typeface="Times New Roman"/>
+        <a:font script="Uigh" typeface="Microsoft Uighur"/>
+        <a:font script="Geor" typeface="Sylfaen"/>
+      </a:majorFont>
+      <a:minorFont>
+        <a:latin typeface="Calibri" panose="020F0502020204030204"/>
+        <a:ea typeface=""/>
+        <a:cs typeface=""/>
+        <a:font script="Jpan" typeface="ＭＳ Ｐゴシック"/>
+        <a:font script="Hang" typeface="맑은 고딕"/>
+        <a:font script="Hans" typeface="宋体"/>
+        <a:font script="Hant" typeface="新細明體"/>
+        <a:font script="Arab" typeface="Arial"/>
+        <a:font script="Hebr" typeface="Arial"/>
+        <a:font script="Thai" typeface="Cordia New"/>
+        <a:font script="Ethi" typeface="Nyala"/>
+        <a:font script="Beng" typeface="Vrinda"/>
+        <a:font script="Gujr" typeface="Shruti"/>
+        <a:font script="Khmr" typeface="DaunPenh"/>
+        <a:font script="Knda" typeface="Tunga"/>
+        <a:font script="Guru" typeface="Raavi"/>
+        <a:font script="Cans" typeface="Euphemia"/>
+        <a:font script="Cher" typeface="Plantagenet Cherokee"/>
+        <a:font script="Yiii" typeface="Microsoft Yi Baiti"/>
+        <a:font script="Tibt" typeface="Microsoft Himalaya"/>
+        <a:font script="Thaa" typeface="MV Boli"/>
+        <a:font script="Deva" typeface="Mangal"/>
+        <a:font script="Telu" typeface="Gautami"/>
+        <a:font script="Taml" typeface="Latha"/>
+        <a:font script="Syrc" typeface="Estrangelo Edessa"/>
+        <a:font script="Orya" typeface="Kalinga"/>
+        <a:font script="Mlym" typeface="Kartika"/>
+        <a:font script="Laoo" typeface="DokChampa"/>
+        <a:font script="Sinh" typeface="Iskoola Pota"/>
+        <a:font script="Mong" typeface="Mongolian Baiti"/>
+        <a:font script="Viet" typeface="Arial"/>
+        <a:font script="Uigh" typeface="Microsoft Uighur"/>
+        <a:font script="Geor" typeface="Sylfaen"/>
+      </a:minorFont>
+    </a:fontScheme>
+    <a:fmtScheme name="Office">
+      <a:fillStyleLst>
+        <a:solidFill>
+          <a:schemeClr val="phClr"/>
+        </a:solidFill>
+        <a:gradFill rotWithShape="1">
+          <a:gsLst>
+            <a:gs pos="0">
+              <a:schemeClr val="phClr">
+                <a:lumMod val="110000"/>
+                <a:satMod val="105000"/>
+                <a:tint val="67000"/>
+              </a:schemeClr>
+            </a:gs>
+            <a:gs pos="50000">
+              <a:schemeClr val="phClr">
+                <a:lumMod val="105000"/>
+                <a:satMod val="103000"/>
+                <a:tint val="73000"/>
+              </a:schemeClr>
+            </a:gs>
+            <a:gs pos="100000">
+              <a:schemeClr val="phClr">
+                <a:lumMod val="105000"/>
+                <a:satMod val="109000"/>
+                <a:tint val="81000"/>
+              </a:schemeClr>
+            </a:gs>
+          </a:gsLst>
+          <a:lin ang="5400000" scaled="0"/>
+        </a:gradFill>
+        <a:gradFill rotWithShape="1">
+          <a:gsLst>
+            <a:gs pos="0">
+              <a:schemeClr val="phClr">
+                <a:satMod val="103000"/>
+                <a:lumMod val="102000"/>
+                <a:tint val="94000"/>
+              </a:schemeClr>
+            </a:gs>
+            <a:gs pos="50000">
+              <a:schemeClr val="phClr">
+                <a:satMod val="110000"/>
+                <a:lumMod val="100000"/>
+                <a:shade val="100000"/>
+              </a:schemeClr>
+            </a:gs>
+            <a:gs pos="100000">
+              <a:schemeClr val="phClr">
+                <a:lumMod val="99000"/>
+                <a:satMod val="120000"/>
+                <a:shade val="78000"/>
+              </a:schemeClr>
+            </a:gs>
+          </a:gsLst>
+          <a:lin ang="5400000" scaled="0"/>
+        </a:gradFill>
+      </a:fillStyleLst>
+      <a:lnStyleLst>
+        <a:ln w="6350" cap="flat" cmpd="sng" algn="ctr">
+          <a:solidFill>
+            <a:schemeClr val="phClr"/>
+          </a:solidFill>
+          <a:prstDash val="solid"/>
+          <a:miter lim="800000"/>
+        </a:ln>
+        <a:ln w="12700" cap="flat" cmpd="sng" algn="ctr">
+          <a:solidFill>
+            <a:schemeClr val="phClr"/>
+          </a:solidFill>
+          <a:prstDash val="solid"/>
+          <a:miter lim="800000"/>
+        </a:ln>
+        <a:ln w="19050" cap="flat" cmpd="sng" algn="ctr">
+          <a:solidFill>
+            <a:schemeClr val="phClr"/>
+          </a:solidFill>
+          <a:prstDash val="solid"/>
+          <a:miter lim="800000"/>
+        </a:ln>
+      </a:lnStyleLst>
+      <a:effectStyleLst>
+        <a:effectStyle>
+          <a:effectLst/>
+        </a:effectStyle>
+        <a:effectStyle>
+          <a:effectLst/>
+        </a:effectStyle>
+        <a:effectStyle>
+          <a:effectLst>
+            <a:outerShdw blurRad="57150" dist="19050" dir="5400000" algn="ctr" rotWithShape="0">
+              <a:srgbClr val="000000">
+                <a:alpha val="63000"/>
+              </a:srgbClr>
+            </a:outerShdw>
+          </a:effectLst>
+        </a:effectStyle>
+      </a:effectStyleLst>
+      <a:bgFillStyleLst>
+        <a:solidFill>
+          <a:schemeClr val="phClr"/>
+        </a:solidFill>
+        <a:solidFill>
+          <a:schemeClr val="phClr">
+            <a:tint val="95000"/>
+            <a:satMod val="170000"/>
+          </a:schemeClr>
+        </a:solidFill>
+        <a:gradFill rotWithShape="1">
+          <a:gsLst>
+            <a:gs pos="0">
+              <a:schemeClr val="phClr">
+                <a:tint val="93000"/>
+                <a:satMod val="150000"/>
+                <a:shade val="98000"/>
+                <a:lumMod val="102000"/>
+              </a:schemeClr>
+            </a:gs>
+            <a:gs pos="50000">
+              <a:schemeClr val="phClr">
+                <a:tint val="98000"/>
+                <a:satMod val="130000"/>
+                <a:shade val="90000"/>
+                <a:lumMod val="103000"/>
+              </a:schemeClr>
+            </a:gs>
+            <a:gs pos="100000">
+              <a:schemeClr val="phClr">
+                <a:shade val="63000"/>
+                <a:satMod val="120000"/>
+              </a:schemeClr>
+            </a:gs>
+          </a:gsLst>
+          <a:lin ang="5400000" scaled="0"/>
+        </a:gradFill>
+      </a:bgFillStyleLst>
+    </a:fmtScheme>
+  </a:themeElements>
+  <a:objectDefaults/>
+  <a:extraClrSchemeLst/>
+  <a:extLst>
+    <a:ext uri="{05A4C25C-085E-4340-85A3-A5531E510DB2}">
+      <thm15:themeFamily xmlns:thm15="http://schemas.microsoft.com/office/thememl/2012/main" name="Office Theme" id="{62F939B6-93AF-4DB8-9C6B-D6C7DFDC589F}" vid="{4A3C46E8-61CC-4603-A589-7422A47A8E4A}"/>
+    </a:ext>
+  </a:extLst>
+</a:theme>
 </file>